--- a/Щекина презентация.pptx
+++ b/Щекина презентация.pptx
@@ -92,7 +92,7 @@
         <p:txBody>
           <a:bodyPr/>
           <a:p>
-            <a:fld id="{7DF4961E-9FA2-409B-B01B-D9FE71686EA5}" type="slidenum">
+            <a:fld id="{127E4626-D9F0-40B8-B67A-946466ECECD3}" type="slidenum">
               <a:t>&lt;#&gt;</a:t>
             </a:fld>
           </a:p>
@@ -134,7 +134,7 @@
         <p:txBody>
           <a:bodyPr/>
           <a:p>
-            <a:fld id="{4EFEBEDA-DBDB-4EC1-8B66-81B29556A7D8}" type="slidenum">
+            <a:fld id="{2F776F97-3A5C-4415-A9FE-8C44230B06A5}" type="slidenum">
               <a:t>&lt;#&gt;</a:t>
             </a:fld>
           </a:p>
@@ -176,7 +176,7 @@
         <p:txBody>
           <a:bodyPr/>
           <a:p>
-            <a:fld id="{F89F640B-2A26-41DC-83B4-44BC9DE7E704}" type="slidenum">
+            <a:fld id="{BA462638-95B3-41AF-8AB6-8ABF784DD3A4}" type="slidenum">
               <a:t>&lt;#&gt;</a:t>
             </a:fld>
           </a:p>
@@ -218,7 +218,7 @@
         <p:txBody>
           <a:bodyPr/>
           <a:p>
-            <a:fld id="{2F908095-77A6-4B4F-BCC0-2C5A9A1A7C7A}" type="slidenum">
+            <a:fld id="{A21F172D-F2AB-461D-9573-72DF3C361650}" type="slidenum">
               <a:t>&lt;#&gt;</a:t>
             </a:fld>
           </a:p>
@@ -260,7 +260,7 @@
         <p:txBody>
           <a:bodyPr/>
           <a:p>
-            <a:fld id="{1AADE1F2-C703-4979-836E-83ED9956FAC8}" type="slidenum">
+            <a:fld id="{2BE1CB80-E34B-487B-81F1-BBFE45981ED8}" type="slidenum">
               <a:t>&lt;#&gt;</a:t>
             </a:fld>
           </a:p>
@@ -302,7 +302,7 @@
         <p:txBody>
           <a:bodyPr/>
           <a:p>
-            <a:fld id="{A4224E3A-8C9B-4708-A74D-DE10E966A612}" type="slidenum">
+            <a:fld id="{DA24AB91-9376-4718-A790-17CBA8481C6F}" type="slidenum">
               <a:t>&lt;#&gt;</a:t>
             </a:fld>
           </a:p>
@@ -344,7 +344,7 @@
         <p:txBody>
           <a:bodyPr/>
           <a:p>
-            <a:fld id="{7CDD3C2F-6138-4B95-868B-10D37B618C8B}" type="slidenum">
+            <a:fld id="{31A330DA-6550-49EA-A723-3269F9729573}" type="slidenum">
               <a:t>&lt;#&gt;</a:t>
             </a:fld>
           </a:p>
@@ -414,7 +414,7 @@
         <p:spPr>
           <a:xfrm>
             <a:off x="420480" y="446040"/>
-            <a:ext cx="2359080" cy="720360"/>
+            <a:ext cx="2358720" cy="720000"/>
           </a:xfrm>
           <a:prstGeom prst="rect">
             <a:avLst/>
@@ -432,13 +432,13 @@
         </p:nvPicPr>
         <p:blipFill>
           <a:blip r:embed="rId3"/>
-          <a:srcRect l="0" t="16255" r="0" b="8831"/>
+          <a:srcRect l="0" t="16253" r="0" b="8829"/>
           <a:stretch/>
         </p:blipFill>
         <p:spPr>
           <a:xfrm>
             <a:off x="0" y="0"/>
-            <a:ext cx="12189600" cy="6855480"/>
+            <a:ext cx="12189240" cy="6855120"/>
           </a:xfrm>
           <a:prstGeom prst="rect">
             <a:avLst/>
@@ -457,9 +457,9 @@
         <p:grpSpPr>
           <a:xfrm>
             <a:off x="694440" y="633240"/>
-            <a:ext cx="9500400" cy="4704120"/>
+            <a:ext cx="9500040" cy="4703760"/>
             <a:chOff x="694440" y="633240"/>
-            <a:chExt cx="9500400" cy="4704120"/>
+            <a:chExt cx="9500040" cy="4703760"/>
           </a:xfrm>
         </p:grpSpPr>
         <p:pic>
@@ -475,7 +475,7 @@
           <p:spPr>
             <a:xfrm>
               <a:off x="694440" y="633240"/>
-              <a:ext cx="9500400" cy="4704120"/>
+              <a:ext cx="9500040" cy="4703760"/>
             </a:xfrm>
             <a:prstGeom prst="rect">
               <a:avLst/>
@@ -494,7 +494,7 @@
           <p:spPr>
             <a:xfrm>
               <a:off x="694440" y="5307120"/>
-              <a:ext cx="9500400" cy="26280"/>
+              <a:ext cx="9500040" cy="25920"/>
             </a:xfrm>
             <a:prstGeom prst="rect">
               <a:avLst/>
@@ -554,7 +554,7 @@
         <p:spPr>
           <a:xfrm>
             <a:off x="9157680" y="612000"/>
-            <a:ext cx="2359080" cy="719280"/>
+            <a:ext cx="2358720" cy="718920"/>
           </a:xfrm>
           <a:prstGeom prst="rect">
             <a:avLst/>
@@ -884,7 +884,7 @@
         <p:spPr>
           <a:xfrm>
             <a:off x="420480" y="446040"/>
-            <a:ext cx="2359080" cy="720360"/>
+            <a:ext cx="2358720" cy="720000"/>
           </a:xfrm>
           <a:prstGeom prst="rect">
             <a:avLst/>
@@ -907,7 +907,7 @@
         <p:spPr>
           <a:xfrm>
             <a:off x="273600" y="6433920"/>
-            <a:ext cx="567720" cy="272880"/>
+            <a:ext cx="567360" cy="272520"/>
           </a:xfrm>
           <a:prstGeom prst="rect">
             <a:avLst/>
@@ -949,7 +949,7 @@
                 <a:tab algn="l" pos="0"/>
               </a:tabLst>
             </a:pPr>
-            <a:fld id="{7C21E06F-7BD2-4761-8A49-B043F661539F}" type="slidenum">
+            <a:fld id="{22DE14B4-0C10-49D4-8DEB-063BD9F7538A}" type="slidenum">
               <a:rPr b="0" lang="ru-RU" sz="2400" spc="-1" strike="noStrike">
                 <a:solidFill>
                   <a:srgbClr val="898989"/>
@@ -1288,7 +1288,7 @@
         <p:spPr>
           <a:xfrm>
             <a:off x="420480" y="446040"/>
-            <a:ext cx="2359080" cy="720360"/>
+            <a:ext cx="2358720" cy="720000"/>
           </a:xfrm>
           <a:prstGeom prst="rect">
             <a:avLst/>
@@ -1311,7 +1311,7 @@
         <p:spPr>
           <a:xfrm>
             <a:off x="273600" y="6433920"/>
-            <a:ext cx="630000" cy="272880"/>
+            <a:ext cx="629640" cy="272520"/>
           </a:xfrm>
           <a:prstGeom prst="rect">
             <a:avLst/>
@@ -1353,7 +1353,7 @@
                 <a:tab algn="l" pos="0"/>
               </a:tabLst>
             </a:pPr>
-            <a:fld id="{DA622E64-E302-4CFC-8DE7-670CC98CF245}" type="slidenum">
+            <a:fld id="{F84B1466-969B-43CE-A17A-203BDFF7B923}" type="slidenum">
               <a:rPr b="0" lang="ru-RU" sz="2400" spc="-1" strike="noStrike">
                 <a:solidFill>
                   <a:srgbClr val="898989"/>
@@ -1418,7 +1418,7 @@
         <p:spPr>
           <a:xfrm>
             <a:off x="420480" y="446040"/>
-            <a:ext cx="2359080" cy="720360"/>
+            <a:ext cx="2358720" cy="720000"/>
           </a:xfrm>
           <a:prstGeom prst="rect">
             <a:avLst/>
@@ -1441,7 +1441,7 @@
         <p:spPr>
           <a:xfrm>
             <a:off x="273600" y="6433920"/>
-            <a:ext cx="567720" cy="272880"/>
+            <a:ext cx="567360" cy="272520"/>
           </a:xfrm>
           <a:prstGeom prst="rect">
             <a:avLst/>
@@ -1483,7 +1483,7 @@
                 <a:tab algn="l" pos="0"/>
               </a:tabLst>
             </a:pPr>
-            <a:fld id="{E8AD987B-E098-4D04-A37A-59140D0A42FE}" type="slidenum">
+            <a:fld id="{19E87372-8393-40DE-8147-16CCD76724AD}" type="slidenum">
               <a:rPr b="0" lang="ru-RU" sz="2400" spc="-1" strike="noStrike">
                 <a:solidFill>
                   <a:srgbClr val="898989"/>
@@ -1548,7 +1548,7 @@
         <p:spPr>
           <a:xfrm>
             <a:off x="420480" y="446040"/>
-            <a:ext cx="2359080" cy="720360"/>
+            <a:ext cx="2358720" cy="720000"/>
           </a:xfrm>
           <a:prstGeom prst="rect">
             <a:avLst/>
@@ -1571,7 +1571,7 @@
         <p:spPr>
           <a:xfrm>
             <a:off x="273600" y="6433920"/>
-            <a:ext cx="567720" cy="272880"/>
+            <a:ext cx="567360" cy="272520"/>
           </a:xfrm>
           <a:prstGeom prst="rect">
             <a:avLst/>
@@ -1613,7 +1613,7 @@
                 <a:tab algn="l" pos="0"/>
               </a:tabLst>
             </a:pPr>
-            <a:fld id="{BF48C8D8-28AB-4DAF-B933-7D9CD8E79407}" type="slidenum">
+            <a:fld id="{FAD58A80-BE40-407F-BCBB-511B5397AA1B}" type="slidenum">
               <a:rPr b="0" lang="ru-RU" sz="2400" spc="-1" strike="noStrike">
                 <a:solidFill>
                   <a:srgbClr val="898989"/>
@@ -1678,7 +1678,7 @@
         <p:spPr>
           <a:xfrm>
             <a:off x="420480" y="446040"/>
-            <a:ext cx="2359080" cy="720360"/>
+            <a:ext cx="2358720" cy="720000"/>
           </a:xfrm>
           <a:prstGeom prst="rect">
             <a:avLst/>
@@ -1701,7 +1701,7 @@
         <p:spPr>
           <a:xfrm>
             <a:off x="273600" y="6433920"/>
-            <a:ext cx="567720" cy="272880"/>
+            <a:ext cx="567360" cy="272520"/>
           </a:xfrm>
           <a:prstGeom prst="rect">
             <a:avLst/>
@@ -1743,7 +1743,7 @@
                 <a:tab algn="l" pos="0"/>
               </a:tabLst>
             </a:pPr>
-            <a:fld id="{EB0C8080-3507-496A-8591-C4E8D556F3E8}" type="slidenum">
+            <a:fld id="{A4BB168B-3F69-40B8-A229-A40D6F3E8BE5}" type="slidenum">
               <a:rPr b="0" lang="ru-RU" sz="2400" spc="-1" strike="noStrike">
                 <a:solidFill>
                   <a:srgbClr val="898989"/>
@@ -1808,7 +1808,7 @@
         <p:spPr>
           <a:xfrm>
             <a:off x="420480" y="446040"/>
-            <a:ext cx="2359080" cy="720360"/>
+            <a:ext cx="2358720" cy="720000"/>
           </a:xfrm>
           <a:prstGeom prst="rect">
             <a:avLst/>
@@ -1831,7 +1831,7 @@
         <p:spPr>
           <a:xfrm>
             <a:off x="273600" y="6433920"/>
-            <a:ext cx="567720" cy="272880"/>
+            <a:ext cx="567360" cy="272520"/>
           </a:xfrm>
           <a:prstGeom prst="rect">
             <a:avLst/>
@@ -1873,7 +1873,7 @@
                 <a:tab algn="l" pos="0"/>
               </a:tabLst>
             </a:pPr>
-            <a:fld id="{F7CC8FDD-8557-409F-A62E-B4F2B42346D7}" type="slidenum">
+            <a:fld id="{70245A61-07F6-4D5E-99B8-EECF8A2F7471}" type="slidenum">
               <a:rPr b="0" lang="ru-RU" sz="2400" spc="-1" strike="noStrike">
                 <a:solidFill>
                   <a:srgbClr val="898989"/>
@@ -1938,7 +1938,7 @@
         <p:spPr>
           <a:xfrm>
             <a:off x="420480" y="446040"/>
-            <a:ext cx="2359080" cy="720360"/>
+            <a:ext cx="2358720" cy="720000"/>
           </a:xfrm>
           <a:prstGeom prst="rect">
             <a:avLst/>
@@ -1961,7 +1961,7 @@
         <p:spPr>
           <a:xfrm>
             <a:off x="273600" y="6433920"/>
-            <a:ext cx="567720" cy="272880"/>
+            <a:ext cx="567360" cy="272520"/>
           </a:xfrm>
           <a:prstGeom prst="rect">
             <a:avLst/>
@@ -2003,7 +2003,7 @@
                 <a:tab algn="l" pos="0"/>
               </a:tabLst>
             </a:pPr>
-            <a:fld id="{065C992D-058B-455D-ABC0-1114ED035959}" type="slidenum">
+            <a:fld id="{03AE7628-3169-4ADE-B3CB-C2801895850B}" type="slidenum">
               <a:rPr b="0" lang="ru-RU" sz="2400" spc="-1" strike="noStrike">
                 <a:solidFill>
                   <a:srgbClr val="898989"/>
@@ -2068,7 +2068,7 @@
         <p:spPr>
           <a:xfrm>
             <a:off x="420480" y="446040"/>
-            <a:ext cx="2359080" cy="720360"/>
+            <a:ext cx="2358720" cy="720000"/>
           </a:xfrm>
           <a:prstGeom prst="rect">
             <a:avLst/>
@@ -2086,13 +2086,13 @@
         </p:nvPicPr>
         <p:blipFill>
           <a:blip r:embed="rId3"/>
-          <a:srcRect l="0" t="16255" r="0" b="8831"/>
+          <a:srcRect l="0" t="16253" r="0" b="8829"/>
           <a:stretch/>
         </p:blipFill>
         <p:spPr>
           <a:xfrm>
             <a:off x="0" y="0"/>
-            <a:ext cx="12189600" cy="6855480"/>
+            <a:ext cx="12189240" cy="6855120"/>
           </a:xfrm>
           <a:prstGeom prst="rect">
             <a:avLst/>
@@ -2115,7 +2115,7 @@
         <p:spPr>
           <a:xfrm>
             <a:off x="6575400" y="2096640"/>
-            <a:ext cx="1329480" cy="1329480"/>
+            <a:ext cx="1329120" cy="1329120"/>
           </a:xfrm>
           <a:prstGeom prst="rect">
             <a:avLst/>
@@ -2138,7 +2138,7 @@
         <p:spPr>
           <a:xfrm>
             <a:off x="1278360" y="2042640"/>
-            <a:ext cx="4707720" cy="1437480"/>
+            <a:ext cx="4707360" cy="1437120"/>
           </a:xfrm>
           <a:prstGeom prst="rect">
             <a:avLst/>
@@ -2157,7 +2157,7 @@
         <p:spPr>
           <a:xfrm>
             <a:off x="7849800" y="2522520"/>
-            <a:ext cx="3045960" cy="473760"/>
+            <a:ext cx="3045600" cy="473760"/>
           </a:xfrm>
           <a:prstGeom prst="rect">
             <a:avLst/>
@@ -2210,16 +2210,16 @@
         </p:nvSpPr>
         <p:spPr>
           <a:xfrm flipH="1">
-            <a:off x="10709640" y="2096640"/>
-            <a:ext cx="128160" cy="1329480"/>
+            <a:off x="10708920" y="2096640"/>
+            <a:ext cx="127800" cy="1329120"/>
           </a:xfrm>
           <a:custGeom>
             <a:avLst/>
             <a:gdLst>
-              <a:gd name="textAreaLeft" fmla="*/ 1440 w 128160"/>
-              <a:gd name="textAreaRight" fmla="*/ 132120 w 128160"/>
-              <a:gd name="textAreaTop" fmla="*/ 0 h 1329480"/>
-              <a:gd name="textAreaBottom" fmla="*/ 1332000 h 1329480"/>
+              <a:gd name="textAreaLeft" fmla="*/ 1440 w 127800"/>
+              <a:gd name="textAreaRight" fmla="*/ 132120 w 127800"/>
+              <a:gd name="textAreaTop" fmla="*/ 0 h 1329120"/>
+              <a:gd name="textAreaBottom" fmla="*/ 1332000 h 1329120"/>
             </a:gdLst>
             <a:ahLst/>
             <a:rect l="textAreaLeft" t="textAreaTop" r="textAreaRight" b="textAreaBottom"/>
@@ -2593,7 +2593,7 @@
         <p:spPr>
           <a:xfrm>
             <a:off x="1078200" y="4363560"/>
-            <a:ext cx="9116640" cy="871560"/>
+            <a:ext cx="9116280" cy="871200"/>
           </a:xfrm>
           <a:prstGeom prst="rect">
             <a:avLst/>
@@ -2647,7 +2647,7 @@
         <p:spPr>
           <a:xfrm>
             <a:off x="1078200" y="743400"/>
-            <a:ext cx="9117720" cy="3415320"/>
+            <a:ext cx="9117360" cy="3414960"/>
           </a:xfrm>
           <a:prstGeom prst="rect">
             <a:avLst/>
@@ -2731,9 +2731,9 @@
         <p:grpSpPr>
           <a:xfrm>
             <a:off x="3168000" y="322920"/>
-            <a:ext cx="5518080" cy="959040"/>
+            <a:ext cx="5517720" cy="959040"/>
             <a:chOff x="3168000" y="322920"/>
-            <a:chExt cx="5518080" cy="959040"/>
+            <a:chExt cx="5517720" cy="959040"/>
           </a:xfrm>
         </p:grpSpPr>
         <p:sp>
@@ -2745,7 +2745,7 @@
           <p:spPr>
             <a:xfrm>
               <a:off x="3168000" y="322920"/>
-              <a:ext cx="5518080" cy="955440"/>
+              <a:ext cx="5517720" cy="955080"/>
             </a:xfrm>
             <a:prstGeom prst="rect">
               <a:avLst/>
@@ -2811,16 +2811,16 @@
           </p:nvSpPr>
           <p:spPr>
             <a:xfrm flipH="1" rot="10800000">
-              <a:off x="3168000" y="326520"/>
-              <a:ext cx="88560" cy="955440"/>
+              <a:off x="3167640" y="326880"/>
+              <a:ext cx="88200" cy="955080"/>
             </a:xfrm>
             <a:custGeom>
               <a:avLst/>
               <a:gdLst>
-                <a:gd name="textAreaLeft" fmla="*/ 1440 w 88560"/>
-                <a:gd name="textAreaRight" fmla="*/ 93240 w 88560"/>
-                <a:gd name="textAreaTop" fmla="*/ 0 h 955440"/>
-                <a:gd name="textAreaBottom" fmla="*/ 958320 h 955440"/>
+                <a:gd name="textAreaLeft" fmla="*/ 1440 w 88200"/>
+                <a:gd name="textAreaRight" fmla="*/ 93240 w 88200"/>
+                <a:gd name="textAreaTop" fmla="*/ 0 h 955080"/>
+                <a:gd name="textAreaBottom" fmla="*/ 958320 h 955080"/>
               </a:gdLst>
               <a:ahLst/>
               <a:rect l="textAreaLeft" t="textAreaTop" r="textAreaRight" b="textAreaBottom"/>
@@ -2889,16 +2889,16 @@
           </p:nvSpPr>
           <p:spPr>
             <a:xfrm flipH="1">
-              <a:off x="8578440" y="322920"/>
-              <a:ext cx="104400" cy="955440"/>
+              <a:off x="8577720" y="322920"/>
+              <a:ext cx="104040" cy="955080"/>
             </a:xfrm>
             <a:custGeom>
               <a:avLst/>
               <a:gdLst>
-                <a:gd name="textAreaLeft" fmla="*/ 0 w 104400"/>
-                <a:gd name="textAreaRight" fmla="*/ 106920 w 104400"/>
-                <a:gd name="textAreaTop" fmla="*/ 0 h 955440"/>
-                <a:gd name="textAreaBottom" fmla="*/ 958320 h 955440"/>
+                <a:gd name="textAreaLeft" fmla="*/ 0 w 104040"/>
+                <a:gd name="textAreaRight" fmla="*/ 106920 w 104040"/>
+                <a:gd name="textAreaTop" fmla="*/ 0 h 955080"/>
+                <a:gd name="textAreaBottom" fmla="*/ 958320 h 955080"/>
               </a:gdLst>
               <a:ahLst/>
               <a:rect l="textAreaLeft" t="textAreaTop" r="textAreaRight" b="textAreaBottom"/>
@@ -2969,7 +2969,7 @@
         <p:spPr>
           <a:xfrm>
             <a:off x="273600" y="6435000"/>
-            <a:ext cx="567720" cy="272880"/>
+            <a:ext cx="567360" cy="272520"/>
           </a:xfrm>
           <a:prstGeom prst="rect">
             <a:avLst/>
@@ -2998,7 +2998,7 @@
                 <a:tab algn="l" pos="0"/>
               </a:tabLst>
             </a:pPr>
-            <a:fld id="{5D4FCB2E-938A-40B9-B6DC-0FECA3FECF58}" type="slidenum">
+            <a:fld id="{27D1E118-A764-4484-9AA0-D508A329B6FF}" type="slidenum">
               <a:rPr b="0" lang="ru-RU" sz="1400" spc="-1" strike="noStrike">
                 <a:solidFill>
                   <a:srgbClr val="898989"/>
@@ -3006,7 +3006,7 @@
                 <a:latin typeface="Times New Roman"/>
                 <a:ea typeface="Open Sans"/>
               </a:rPr>
-              <a:t>&lt;number&gt;</a:t>
+              <a:t>9</a:t>
             </a:fld>
             <a:endParaRPr b="0" lang="en-US" sz="1400" spc="-1" strike="noStrike">
               <a:solidFill>
@@ -4239,7 +4239,7 @@
         <p:spPr>
           <a:xfrm>
             <a:off x="8121600" y="1371600"/>
-            <a:ext cx="3885840" cy="4571280"/>
+            <a:ext cx="3885480" cy="4570920"/>
           </a:xfrm>
           <a:prstGeom prst="rect">
             <a:avLst/>
@@ -4434,7 +4434,7 @@
         <p:spPr>
           <a:xfrm>
             <a:off x="7952400" y="3128400"/>
-            <a:ext cx="3771000" cy="551160"/>
+            <a:ext cx="3770640" cy="550800"/>
           </a:xfrm>
           <a:prstGeom prst="rect">
             <a:avLst/>
@@ -4457,7 +4457,7 @@
         <p:spPr>
           <a:xfrm>
             <a:off x="7759800" y="5571000"/>
-            <a:ext cx="4352400" cy="541800"/>
+            <a:ext cx="4352040" cy="541440"/>
           </a:xfrm>
           <a:prstGeom prst="rect">
             <a:avLst/>
@@ -4510,7 +4510,7 @@
         <p:spPr>
           <a:xfrm>
             <a:off x="388440" y="1551600"/>
-            <a:ext cx="5096880" cy="3655440"/>
+            <a:ext cx="5096520" cy="3655080"/>
           </a:xfrm>
           <a:prstGeom prst="rect">
             <a:avLst/>
@@ -4809,9 +4809,9 @@
         <p:grpSpPr>
           <a:xfrm>
             <a:off x="3168000" y="469440"/>
-            <a:ext cx="3832920" cy="666000"/>
+            <a:ext cx="3832560" cy="666000"/>
             <a:chOff x="3168000" y="469440"/>
-            <a:chExt cx="3832920" cy="666000"/>
+            <a:chExt cx="3832560" cy="666000"/>
           </a:xfrm>
         </p:grpSpPr>
         <p:sp>
@@ -4823,7 +4823,7 @@
           <p:spPr>
             <a:xfrm>
               <a:off x="3168000" y="469440"/>
-              <a:ext cx="3832920" cy="663480"/>
+              <a:ext cx="3832560" cy="663120"/>
             </a:xfrm>
             <a:prstGeom prst="rect">
               <a:avLst/>
@@ -4889,16 +4889,16 @@
           </p:nvSpPr>
           <p:spPr>
             <a:xfrm flipH="1" rot="10800000">
-              <a:off x="3168000" y="471960"/>
-              <a:ext cx="61200" cy="663480"/>
+              <a:off x="3167640" y="472320"/>
+              <a:ext cx="60840" cy="663120"/>
             </a:xfrm>
             <a:custGeom>
               <a:avLst/>
               <a:gdLst>
-                <a:gd name="textAreaLeft" fmla="*/ 1440 w 61200"/>
-                <a:gd name="textAreaRight" fmla="*/ 65160 w 61200"/>
-                <a:gd name="textAreaTop" fmla="*/ 0 h 663480"/>
-                <a:gd name="textAreaBottom" fmla="*/ 666000 h 663480"/>
+                <a:gd name="textAreaLeft" fmla="*/ 1440 w 60840"/>
+                <a:gd name="textAreaRight" fmla="*/ 65160 w 60840"/>
+                <a:gd name="textAreaTop" fmla="*/ 0 h 663120"/>
+                <a:gd name="textAreaBottom" fmla="*/ 666000 h 663120"/>
               </a:gdLst>
               <a:ahLst/>
               <a:rect l="textAreaLeft" t="textAreaTop" r="textAreaRight" b="textAreaBottom"/>
@@ -4968,15 +4968,15 @@
           <p:spPr>
             <a:xfrm flipH="1">
               <a:off x="6925680" y="469440"/>
-              <a:ext cx="72360" cy="663480"/>
+              <a:ext cx="72000" cy="663120"/>
             </a:xfrm>
             <a:custGeom>
               <a:avLst/>
               <a:gdLst>
-                <a:gd name="textAreaLeft" fmla="*/ -1440 w 72360"/>
-                <a:gd name="textAreaRight" fmla="*/ 73440 w 72360"/>
-                <a:gd name="textAreaTop" fmla="*/ 0 h 663480"/>
-                <a:gd name="textAreaBottom" fmla="*/ 666000 h 663480"/>
+                <a:gd name="textAreaLeft" fmla="*/ -1440 w 72000"/>
+                <a:gd name="textAreaRight" fmla="*/ 73440 w 72000"/>
+                <a:gd name="textAreaTop" fmla="*/ 0 h 663120"/>
+                <a:gd name="textAreaBottom" fmla="*/ 666000 h 663120"/>
               </a:gdLst>
               <a:ahLst/>
               <a:rect l="textAreaLeft" t="textAreaTop" r="textAreaRight" b="textAreaBottom"/>
@@ -5047,7 +5047,7 @@
         <p:spPr>
           <a:xfrm>
             <a:off x="273600" y="6435000"/>
-            <a:ext cx="567720" cy="272880"/>
+            <a:ext cx="567360" cy="272520"/>
           </a:xfrm>
           <a:prstGeom prst="rect">
             <a:avLst/>
@@ -5076,7 +5076,7 @@
                 <a:tab algn="l" pos="0"/>
               </a:tabLst>
             </a:pPr>
-            <a:fld id="{FD7572F9-C85A-48FF-9512-6896B83CB7C4}" type="slidenum">
+            <a:fld id="{0BC16E3C-3FF6-4EE2-AC97-6EB032B6925B}" type="slidenum">
               <a:rPr b="0" lang="ru-RU" sz="1400" spc="-1" strike="noStrike">
                 <a:solidFill>
                   <a:srgbClr val="898989"/>
@@ -5084,7 +5084,7 @@
                 <a:latin typeface="Times New Roman"/>
                 <a:ea typeface="Open Sans"/>
               </a:rPr>
-              <a:t>&lt;number&gt;</a:t>
+              <a:t>11</a:t>
             </a:fld>
             <a:endParaRPr b="0" lang="en-US" sz="1400" spc="-1" strike="noStrike">
               <a:solidFill>
@@ -5104,7 +5104,7 @@
         <p:spPr>
           <a:xfrm>
             <a:off x="5932800" y="1551960"/>
-            <a:ext cx="5096880" cy="3655440"/>
+            <a:ext cx="5096520" cy="3655080"/>
           </a:xfrm>
           <a:prstGeom prst="rect">
             <a:avLst/>
@@ -5168,7 +5168,7 @@
         <p:spPr>
           <a:xfrm>
             <a:off x="6172200" y="1848240"/>
-            <a:ext cx="3190680" cy="666360"/>
+            <a:ext cx="3190320" cy="666000"/>
           </a:xfrm>
           <a:prstGeom prst="rect">
             <a:avLst/>
@@ -5221,7 +5221,7 @@
         <p:spPr>
           <a:xfrm>
             <a:off x="300600" y="1371600"/>
-            <a:ext cx="4042800" cy="1877400"/>
+            <a:ext cx="4042440" cy="1877040"/>
           </a:xfrm>
           <a:prstGeom prst="rect">
             <a:avLst/>
@@ -5258,7 +5258,7 @@
               </a:rPr>
               <a:t>LightGBM</a:t>
             </a:r>
-            <a:endParaRPr b="1" lang="en-US" sz="1800" spc="-1" strike="noStrike">
+            <a:endParaRPr b="0" lang="en-US" sz="1800" spc="-1" strike="noStrike">
               <a:solidFill>
                 <a:srgbClr val="000000"/>
               </a:solidFill>
@@ -5288,7 +5288,7 @@
               </a:rPr>
               <a:t>1) полный датасет (303 признака, несбалансированный)</a:t>
             </a:r>
-            <a:endParaRPr b="1" lang="en-US" sz="1800" spc="-1" strike="noStrike">
+            <a:endParaRPr b="0" lang="en-US" sz="1800" spc="-1" strike="noStrike">
               <a:solidFill>
                 <a:srgbClr val="000000"/>
               </a:solidFill>
@@ -5308,7 +5308,7 @@
                 <a:tab algn="l" pos="0"/>
               </a:tabLst>
             </a:pPr>
-            <a:endParaRPr b="1" lang="en-US" sz="1800" spc="-1" strike="noStrike">
+            <a:endParaRPr b="0" lang="en-US" sz="1800" spc="-1" strike="noStrike">
               <a:solidFill>
                 <a:srgbClr val="000000"/>
               </a:solidFill>
@@ -5328,7 +5328,7 @@
                 <a:tab algn="l" pos="0"/>
               </a:tabLst>
             </a:pPr>
-            <a:endParaRPr b="1" lang="en-US" sz="1800" spc="-1" strike="noStrike">
+            <a:endParaRPr b="0" lang="en-US" sz="1800" spc="-1" strike="noStrike">
               <a:solidFill>
                 <a:srgbClr val="000000"/>
               </a:solidFill>
@@ -5346,9 +5346,9 @@
         <p:grpSpPr>
           <a:xfrm>
             <a:off x="3168000" y="469440"/>
-            <a:ext cx="3832920" cy="666000"/>
+            <a:ext cx="3832560" cy="666000"/>
             <a:chOff x="3168000" y="469440"/>
-            <a:chExt cx="3832920" cy="666000"/>
+            <a:chExt cx="3832560" cy="666000"/>
           </a:xfrm>
         </p:grpSpPr>
         <p:sp>
@@ -5360,7 +5360,7 @@
           <p:spPr>
             <a:xfrm>
               <a:off x="3168000" y="469440"/>
-              <a:ext cx="3832920" cy="663480"/>
+              <a:ext cx="3832560" cy="663120"/>
             </a:xfrm>
             <a:prstGeom prst="rect">
               <a:avLst/>
@@ -5426,16 +5426,16 @@
           </p:nvSpPr>
           <p:spPr>
             <a:xfrm flipH="1" rot="10800000">
-              <a:off x="3168000" y="471960"/>
-              <a:ext cx="61200" cy="663480"/>
+              <a:off x="3167640" y="472320"/>
+              <a:ext cx="60840" cy="663120"/>
             </a:xfrm>
             <a:custGeom>
               <a:avLst/>
               <a:gdLst>
-                <a:gd name="textAreaLeft" fmla="*/ 1440 w 61200"/>
-                <a:gd name="textAreaRight" fmla="*/ 65160 w 61200"/>
-                <a:gd name="textAreaTop" fmla="*/ 0 h 663480"/>
-                <a:gd name="textAreaBottom" fmla="*/ 666000 h 663480"/>
+                <a:gd name="textAreaLeft" fmla="*/ 1440 w 60840"/>
+                <a:gd name="textAreaRight" fmla="*/ 65160 w 60840"/>
+                <a:gd name="textAreaTop" fmla="*/ 0 h 663120"/>
+                <a:gd name="textAreaBottom" fmla="*/ 666000 h 663120"/>
               </a:gdLst>
               <a:ahLst/>
               <a:rect l="textAreaLeft" t="textAreaTop" r="textAreaRight" b="textAreaBottom"/>
@@ -5481,6 +5481,11 @@
               <a:noAutofit/>
             </a:bodyPr>
             <a:p>
+              <a:pPr>
+                <a:lnSpc>
+                  <a:spcPct val="100000"/>
+                </a:lnSpc>
+              </a:pPr>
               <a:endParaRPr b="0" lang="ru-RU" sz="1400" spc="-1" strike="noStrike">
                 <a:solidFill>
                   <a:schemeClr val="dk1"/>
@@ -5500,15 +5505,15 @@
           <p:spPr>
             <a:xfrm flipH="1">
               <a:off x="6925680" y="469440"/>
-              <a:ext cx="72360" cy="663480"/>
+              <a:ext cx="72000" cy="663120"/>
             </a:xfrm>
             <a:custGeom>
               <a:avLst/>
               <a:gdLst>
-                <a:gd name="textAreaLeft" fmla="*/ -1440 w 72360"/>
-                <a:gd name="textAreaRight" fmla="*/ 73440 w 72360"/>
-                <a:gd name="textAreaTop" fmla="*/ 0 h 663480"/>
-                <a:gd name="textAreaBottom" fmla="*/ 666000 h 663480"/>
+                <a:gd name="textAreaLeft" fmla="*/ -1440 w 72000"/>
+                <a:gd name="textAreaRight" fmla="*/ 73440 w 72000"/>
+                <a:gd name="textAreaTop" fmla="*/ 0 h 663120"/>
+                <a:gd name="textAreaBottom" fmla="*/ 666000 h 663120"/>
               </a:gdLst>
               <a:ahLst/>
               <a:rect l="textAreaLeft" t="textAreaTop" r="textAreaRight" b="textAreaBottom"/>
@@ -5554,6 +5559,11 @@
               <a:noAutofit/>
             </a:bodyPr>
             <a:p>
+              <a:pPr>
+                <a:lnSpc>
+                  <a:spcPct val="100000"/>
+                </a:lnSpc>
+              </a:pPr>
               <a:endParaRPr b="0" lang="ru-RU" sz="1400" spc="-1" strike="noStrike">
                 <a:solidFill>
                   <a:srgbClr val="065cab"/>
@@ -5574,7 +5584,7 @@
         <p:spPr>
           <a:xfrm>
             <a:off x="273600" y="6435000"/>
-            <a:ext cx="567720" cy="272880"/>
+            <a:ext cx="567360" cy="272520"/>
           </a:xfrm>
           <a:prstGeom prst="rect">
             <a:avLst/>
@@ -5603,7 +5613,7 @@
                 <a:tab algn="l" pos="0"/>
               </a:tabLst>
             </a:pPr>
-            <a:fld id="{91D6C651-9D89-462A-90FD-751AF31810BC}" type="slidenum">
+            <a:fld id="{6BE87984-D6B3-4B85-8035-55E79E074936}" type="slidenum">
               <a:rPr b="0" lang="ru-RU" sz="1400" spc="-1" strike="noStrike">
                 <a:solidFill>
                   <a:srgbClr val="898989"/>
@@ -5611,7 +5621,7 @@
                 <a:latin typeface="Times New Roman"/>
                 <a:ea typeface="Open Sans"/>
               </a:rPr>
-              <a:t>&lt;number&gt;</a:t>
+              <a:t>12</a:t>
             </a:fld>
             <a:endParaRPr b="0" lang="en-US" sz="1400" spc="-1" strike="noStrike">
               <a:solidFill>
@@ -5635,7 +5645,7 @@
         <p:spPr>
           <a:xfrm>
             <a:off x="542160" y="2295000"/>
-            <a:ext cx="3257640" cy="723600"/>
+            <a:ext cx="3257280" cy="723240"/>
           </a:xfrm>
           <a:prstGeom prst="rect">
             <a:avLst/>
@@ -5654,21 +5664,21 @@
         <p:grpSpPr>
           <a:xfrm>
             <a:off x="336600" y="3105000"/>
-            <a:ext cx="4183560" cy="1877400"/>
+            <a:ext cx="4183200" cy="1877040"/>
             <a:chOff x="336600" y="3105000"/>
-            <a:chExt cx="4183560" cy="1877400"/>
+            <a:chExt cx="4183200" cy="1877040"/>
           </a:xfrm>
         </p:grpSpPr>
         <p:sp>
           <p:nvSpPr>
             <p:cNvPr id="115" name="PlaceHolder 27"/>
-            <p:cNvSpPr txBox="1"/>
+            <p:cNvSpPr/>
             <p:nvPr/>
           </p:nvSpPr>
           <p:spPr>
             <a:xfrm>
               <a:off x="336600" y="3105000"/>
-              <a:ext cx="4183560" cy="1877400"/>
+              <a:ext cx="4183200" cy="1877040"/>
             </a:xfrm>
             <a:prstGeom prst="rect">
               <a:avLst/>
@@ -5678,8 +5688,14 @@
               <a:noFill/>
             </a:ln>
           </p:spPr>
+          <p:style>
+            <a:lnRef idx="0"/>
+            <a:fillRef idx="0"/>
+            <a:effectRef idx="0"/>
+            <a:fontRef idx="minor"/>
+          </p:style>
           <p:txBody>
-            <a:bodyPr anchor="t">
+            <a:bodyPr lIns="90000" rIns="90000" tIns="45000" bIns="45000" anchor="t">
               <a:normAutofit/>
             </a:bodyPr>
             <a:p>
@@ -5704,7 +5720,7 @@
                 </a:rPr>
                 <a:t>2) подбор оптимального порога для максимизации f1-score:</a:t>
               </a:r>
-              <a:endParaRPr b="1" lang="en-US" sz="1800" spc="-1" strike="noStrike">
+              <a:endParaRPr b="0" lang="en-US" sz="1800" spc="-1" strike="noStrike">
                 <a:solidFill>
                   <a:srgbClr val="000000"/>
                 </a:solidFill>
@@ -5723,7 +5739,7 @@
                   <a:tab algn="l" pos="0"/>
                 </a:tabLst>
               </a:pPr>
-              <a:endParaRPr b="1" lang="en-US" sz="1800" spc="-1" strike="noStrike">
+              <a:endParaRPr b="0" lang="en-US" sz="1800" spc="-1" strike="noStrike">
                 <a:solidFill>
                   <a:srgbClr val="000000"/>
                 </a:solidFill>
@@ -5745,7 +5761,7 @@
           <p:spPr>
             <a:xfrm>
               <a:off x="529200" y="3729600"/>
-              <a:ext cx="3305160" cy="723600"/>
+              <a:ext cx="3304800" cy="723240"/>
             </a:xfrm>
             <a:prstGeom prst="rect">
               <a:avLst/>
@@ -5768,7 +5784,7 @@
           <p:spPr>
             <a:xfrm>
               <a:off x="633960" y="4525200"/>
-              <a:ext cx="2743200" cy="313920"/>
+              <a:ext cx="2742840" cy="313560"/>
             </a:xfrm>
             <a:prstGeom prst="rect">
               <a:avLst/>
@@ -5788,21 +5804,21 @@
         <p:grpSpPr>
           <a:xfrm>
             <a:off x="336600" y="4980600"/>
-            <a:ext cx="4183560" cy="1877400"/>
+            <a:ext cx="4183200" cy="1877040"/>
             <a:chOff x="336600" y="4980600"/>
-            <a:chExt cx="4183560" cy="1877400"/>
+            <a:chExt cx="4183200" cy="1877040"/>
           </a:xfrm>
         </p:grpSpPr>
         <p:sp>
           <p:nvSpPr>
             <p:cNvPr id="119" name="PlaceHolder 27"/>
-            <p:cNvSpPr txBox="1"/>
+            <p:cNvSpPr/>
             <p:nvPr/>
           </p:nvSpPr>
           <p:spPr>
             <a:xfrm>
               <a:off x="336600" y="4980600"/>
-              <a:ext cx="4183560" cy="1877400"/>
+              <a:ext cx="4183200" cy="1877040"/>
             </a:xfrm>
             <a:prstGeom prst="rect">
               <a:avLst/>
@@ -5812,8 +5828,14 @@
               <a:noFill/>
             </a:ln>
           </p:spPr>
+          <p:style>
+            <a:lnRef idx="0"/>
+            <a:fillRef idx="0"/>
+            <a:effectRef idx="0"/>
+            <a:fontRef idx="minor"/>
+          </p:style>
           <p:txBody>
-            <a:bodyPr anchor="t">
+            <a:bodyPr lIns="90000" rIns="90000" tIns="45000" bIns="45000" anchor="t">
               <a:normAutofit/>
             </a:bodyPr>
             <a:p>
@@ -5838,7 +5860,7 @@
                 </a:rPr>
                 <a:t>3) обучение на сбалансированном наборе (RandomUnderSampler)</a:t>
               </a:r>
-              <a:endParaRPr b="1" lang="en-US" sz="1800" spc="-1" strike="noStrike">
+              <a:endParaRPr b="0" lang="en-US" sz="1800" spc="-1" strike="noStrike">
                 <a:solidFill>
                   <a:srgbClr val="000000"/>
                 </a:solidFill>
@@ -5857,7 +5879,7 @@
                   <a:tab algn="l" pos="0"/>
                 </a:tabLst>
               </a:pPr>
-              <a:endParaRPr b="1" lang="en-US" sz="1800" spc="-1" strike="noStrike">
+              <a:endParaRPr b="0" lang="en-US" sz="1800" spc="-1" strike="noStrike">
                 <a:solidFill>
                   <a:srgbClr val="000000"/>
                 </a:solidFill>
@@ -5879,7 +5901,7 @@
           <p:spPr>
             <a:xfrm>
               <a:off x="491040" y="5696280"/>
-              <a:ext cx="3343320" cy="704520"/>
+              <a:ext cx="3342960" cy="704160"/>
             </a:xfrm>
             <a:prstGeom prst="rect">
               <a:avLst/>
@@ -5899,21 +5921,21 @@
         <p:grpSpPr>
           <a:xfrm>
             <a:off x="4849200" y="1371600"/>
-            <a:ext cx="4183560" cy="1648800"/>
+            <a:ext cx="4183200" cy="1648440"/>
             <a:chOff x="4849200" y="1371600"/>
-            <a:chExt cx="4183560" cy="1648800"/>
+            <a:chExt cx="4183200" cy="1648440"/>
           </a:xfrm>
         </p:grpSpPr>
         <p:sp>
           <p:nvSpPr>
             <p:cNvPr id="122" name="PlaceHolder 27"/>
-            <p:cNvSpPr txBox="1"/>
+            <p:cNvSpPr/>
             <p:nvPr/>
           </p:nvSpPr>
           <p:spPr>
             <a:xfrm>
               <a:off x="4849200" y="1371600"/>
-              <a:ext cx="4183560" cy="1648800"/>
+              <a:ext cx="4183200" cy="1648440"/>
             </a:xfrm>
             <a:prstGeom prst="rect">
               <a:avLst/>
@@ -5923,8 +5945,14 @@
               <a:noFill/>
             </a:ln>
           </p:spPr>
+          <p:style>
+            <a:lnRef idx="0"/>
+            <a:fillRef idx="0"/>
+            <a:effectRef idx="0"/>
+            <a:fontRef idx="minor"/>
+          </p:style>
           <p:txBody>
-            <a:bodyPr anchor="t">
+            <a:bodyPr lIns="90000" rIns="90000" tIns="45000" bIns="45000" anchor="t">
               <a:normAutofit/>
             </a:bodyPr>
             <a:p>
@@ -5949,7 +5977,7 @@
                 </a:rPr>
                 <a:t>Базовые классификаторы</a:t>
               </a:r>
-              <a:endParaRPr b="1" lang="en-US" sz="1800" spc="-1" strike="noStrike">
+              <a:endParaRPr b="0" lang="en-US" sz="1800" spc="-1" strike="noStrike">
                 <a:solidFill>
                   <a:srgbClr val="000000"/>
                 </a:solidFill>
@@ -5971,7 +5999,7 @@
           <p:spPr>
             <a:xfrm>
               <a:off x="5003640" y="1797120"/>
-              <a:ext cx="3924360" cy="742680"/>
+              <a:ext cx="3924000" cy="742320"/>
             </a:xfrm>
             <a:prstGeom prst="rect">
               <a:avLst/>
@@ -5985,13 +6013,13 @@
       <p:sp>
         <p:nvSpPr>
           <p:cNvPr id="124" name="PlaceHolder 28"/>
-          <p:cNvSpPr txBox="1"/>
+          <p:cNvSpPr/>
           <p:nvPr/>
         </p:nvSpPr>
         <p:spPr>
           <a:xfrm>
             <a:off x="4813560" y="3459600"/>
-            <a:ext cx="4183560" cy="1648800"/>
+            <a:ext cx="4183200" cy="1648440"/>
           </a:xfrm>
           <a:prstGeom prst="rect">
             <a:avLst/>
@@ -6001,8 +6029,14 @@
             <a:noFill/>
           </a:ln>
         </p:spPr>
+        <p:style>
+          <a:lnRef idx="0"/>
+          <a:fillRef idx="0"/>
+          <a:effectRef idx="0"/>
+          <a:fontRef idx="minor"/>
+        </p:style>
         <p:txBody>
-          <a:bodyPr anchor="t">
+          <a:bodyPr lIns="90000" rIns="90000" tIns="45000" bIns="45000" anchor="t">
             <a:normAutofit/>
           </a:bodyPr>
           <a:p>
@@ -6027,7 +6061,7 @@
               </a:rPr>
               <a:t>Базовые классификаторы</a:t>
             </a:r>
-            <a:endParaRPr b="1" lang="en-US" sz="1800" spc="-1" strike="noStrike">
+            <a:endParaRPr b="0" lang="en-US" sz="1800" spc="-1" strike="noStrike">
               <a:solidFill>
                 <a:srgbClr val="000000"/>
               </a:solidFill>
@@ -6049,7 +6083,7 @@
         <p:spPr>
           <a:xfrm>
             <a:off x="4968000" y="3885120"/>
-            <a:ext cx="3924360" cy="742680"/>
+            <a:ext cx="3924000" cy="742320"/>
           </a:xfrm>
           <a:prstGeom prst="rect">
             <a:avLst/>
@@ -6102,7 +6136,7 @@
         <p:spPr>
           <a:xfrm>
             <a:off x="388440" y="1371600"/>
-            <a:ext cx="6696000" cy="3655440"/>
+            <a:ext cx="6695640" cy="3655080"/>
           </a:xfrm>
           <a:prstGeom prst="rect">
             <a:avLst/>
@@ -6447,9 +6481,9 @@
         <p:grpSpPr>
           <a:xfrm>
             <a:off x="3168000" y="283680"/>
-            <a:ext cx="5973840" cy="1037520"/>
+            <a:ext cx="5973480" cy="1037520"/>
             <a:chOff x="3168000" y="283680"/>
-            <a:chExt cx="5973840" cy="1037520"/>
+            <a:chExt cx="5973480" cy="1037520"/>
           </a:xfrm>
         </p:grpSpPr>
         <p:sp>
@@ -6461,7 +6495,7 @@
           <p:spPr>
             <a:xfrm>
               <a:off x="3168000" y="283680"/>
-              <a:ext cx="5973840" cy="1035000"/>
+              <a:ext cx="5973480" cy="1034640"/>
             </a:xfrm>
             <a:prstGeom prst="rect">
               <a:avLst/>
@@ -6527,16 +6561,16 @@
           </p:nvSpPr>
           <p:spPr>
             <a:xfrm flipH="1" rot="10800000">
-              <a:off x="3168000" y="286200"/>
-              <a:ext cx="96480" cy="1035000"/>
+              <a:off x="3167640" y="286560"/>
+              <a:ext cx="96120" cy="1034640"/>
             </a:xfrm>
             <a:custGeom>
               <a:avLst/>
               <a:gdLst>
-                <a:gd name="textAreaLeft" fmla="*/ 1440 w 96480"/>
-                <a:gd name="textAreaRight" fmla="*/ 100440 w 96480"/>
-                <a:gd name="textAreaTop" fmla="*/ 0 h 1035000"/>
-                <a:gd name="textAreaBottom" fmla="*/ 1037520 h 1035000"/>
+                <a:gd name="textAreaLeft" fmla="*/ 1440 w 96120"/>
+                <a:gd name="textAreaRight" fmla="*/ 100440 w 96120"/>
+                <a:gd name="textAreaTop" fmla="*/ 0 h 1034640"/>
+                <a:gd name="textAreaBottom" fmla="*/ 1037520 h 1034640"/>
               </a:gdLst>
               <a:ahLst/>
               <a:rect l="textAreaLeft" t="textAreaTop" r="textAreaRight" b="textAreaBottom"/>
@@ -6605,16 +6639,16 @@
           </p:nvSpPr>
           <p:spPr>
             <a:xfrm flipH="1">
-              <a:off x="9025200" y="283680"/>
-              <a:ext cx="113760" cy="1035000"/>
+              <a:off x="9024480" y="283680"/>
+              <a:ext cx="113400" cy="1034640"/>
             </a:xfrm>
             <a:custGeom>
               <a:avLst/>
               <a:gdLst>
-                <a:gd name="textAreaLeft" fmla="*/ 1440 w 113760"/>
-                <a:gd name="textAreaRight" fmla="*/ 117720 w 113760"/>
-                <a:gd name="textAreaTop" fmla="*/ 0 h 1035000"/>
-                <a:gd name="textAreaBottom" fmla="*/ 1037520 h 1035000"/>
+                <a:gd name="textAreaLeft" fmla="*/ 1440 w 113400"/>
+                <a:gd name="textAreaRight" fmla="*/ 117720 w 113400"/>
+                <a:gd name="textAreaTop" fmla="*/ 0 h 1034640"/>
+                <a:gd name="textAreaBottom" fmla="*/ 1037520 h 1034640"/>
               </a:gdLst>
               <a:ahLst/>
               <a:rect l="textAreaLeft" t="textAreaTop" r="textAreaRight" b="textAreaBottom"/>
@@ -6685,7 +6719,7 @@
         <p:spPr>
           <a:xfrm>
             <a:off x="273600" y="6435000"/>
-            <a:ext cx="567720" cy="272880"/>
+            <a:ext cx="567360" cy="272520"/>
           </a:xfrm>
           <a:prstGeom prst="rect">
             <a:avLst/>
@@ -6714,7 +6748,7 @@
                 <a:tab algn="l" pos="0"/>
               </a:tabLst>
             </a:pPr>
-            <a:fld id="{68AE13BC-187A-47B6-AD7F-F43D3EDE3744}" type="slidenum">
+            <a:fld id="{5F83026C-4AD4-4A01-9449-35966E644D83}" type="slidenum">
               <a:rPr b="0" lang="ru-RU" sz="1400" spc="-1" strike="noStrike">
                 <a:solidFill>
                   <a:srgbClr val="898989"/>
@@ -6722,7 +6756,7 @@
                 <a:latin typeface="Times New Roman"/>
                 <a:ea typeface="Open Sans"/>
               </a:rPr>
-              <a:t>&lt;number&gt;</a:t>
+              <a:t>13</a:t>
             </a:fld>
             <a:endParaRPr b="0" lang="en-US" sz="1400" spc="-1" strike="noStrike">
               <a:solidFill>
@@ -6776,7 +6810,7 @@
         <p:spPr>
           <a:xfrm>
             <a:off x="388440" y="1371600"/>
-            <a:ext cx="11725560" cy="5256000"/>
+            <a:ext cx="11725200" cy="5255640"/>
           </a:xfrm>
           <a:prstGeom prst="rect">
             <a:avLst/>
@@ -7006,9 +7040,9 @@
         <p:grpSpPr>
           <a:xfrm>
             <a:off x="3168000" y="283680"/>
-            <a:ext cx="5973840" cy="1037520"/>
+            <a:ext cx="5973480" cy="1037520"/>
             <a:chOff x="3168000" y="283680"/>
-            <a:chExt cx="5973840" cy="1037520"/>
+            <a:chExt cx="5973480" cy="1037520"/>
           </a:xfrm>
         </p:grpSpPr>
         <p:sp>
@@ -7020,7 +7054,7 @@
           <p:spPr>
             <a:xfrm>
               <a:off x="3168000" y="283680"/>
-              <a:ext cx="5973840" cy="1035000"/>
+              <a:ext cx="5973480" cy="1034640"/>
             </a:xfrm>
             <a:prstGeom prst="rect">
               <a:avLst/>
@@ -7086,16 +7120,16 @@
           </p:nvSpPr>
           <p:spPr>
             <a:xfrm flipH="1" rot="10800000">
-              <a:off x="3168000" y="286200"/>
-              <a:ext cx="96480" cy="1035000"/>
+              <a:off x="3167640" y="286560"/>
+              <a:ext cx="96120" cy="1034640"/>
             </a:xfrm>
             <a:custGeom>
               <a:avLst/>
               <a:gdLst>
-                <a:gd name="textAreaLeft" fmla="*/ 1440 w 96480"/>
-                <a:gd name="textAreaRight" fmla="*/ 100440 w 96480"/>
-                <a:gd name="textAreaTop" fmla="*/ 0 h 1035000"/>
-                <a:gd name="textAreaBottom" fmla="*/ 1037520 h 1035000"/>
+                <a:gd name="textAreaLeft" fmla="*/ 1440 w 96120"/>
+                <a:gd name="textAreaRight" fmla="*/ 100440 w 96120"/>
+                <a:gd name="textAreaTop" fmla="*/ 0 h 1034640"/>
+                <a:gd name="textAreaBottom" fmla="*/ 1037520 h 1034640"/>
               </a:gdLst>
               <a:ahLst/>
               <a:rect l="textAreaLeft" t="textAreaTop" r="textAreaRight" b="textAreaBottom"/>
@@ -7164,16 +7198,16 @@
           </p:nvSpPr>
           <p:spPr>
             <a:xfrm flipH="1">
-              <a:off x="9025200" y="283680"/>
-              <a:ext cx="113760" cy="1035000"/>
+              <a:off x="9024480" y="283680"/>
+              <a:ext cx="113400" cy="1034640"/>
             </a:xfrm>
             <a:custGeom>
               <a:avLst/>
               <a:gdLst>
-                <a:gd name="textAreaLeft" fmla="*/ 1440 w 113760"/>
-                <a:gd name="textAreaRight" fmla="*/ 117720 w 113760"/>
-                <a:gd name="textAreaTop" fmla="*/ 0 h 1035000"/>
-                <a:gd name="textAreaBottom" fmla="*/ 1037520 h 1035000"/>
+                <a:gd name="textAreaLeft" fmla="*/ 1440 w 113400"/>
+                <a:gd name="textAreaRight" fmla="*/ 117720 w 113400"/>
+                <a:gd name="textAreaTop" fmla="*/ 0 h 1034640"/>
+                <a:gd name="textAreaBottom" fmla="*/ 1037520 h 1034640"/>
               </a:gdLst>
               <a:ahLst/>
               <a:rect l="textAreaLeft" t="textAreaTop" r="textAreaRight" b="textAreaBottom"/>
@@ -7244,7 +7278,7 @@
         <p:spPr>
           <a:xfrm>
             <a:off x="273600" y="6435000"/>
-            <a:ext cx="567720" cy="272880"/>
+            <a:ext cx="567360" cy="272520"/>
           </a:xfrm>
           <a:prstGeom prst="rect">
             <a:avLst/>
@@ -7273,7 +7307,7 @@
                 <a:tab algn="l" pos="0"/>
               </a:tabLst>
             </a:pPr>
-            <a:fld id="{8846C089-D2BE-417A-8827-62E34AA7505A}" type="slidenum">
+            <a:fld id="{2904850E-F1C1-484B-9CD2-CCBFA9DAF6F5}" type="slidenum">
               <a:rPr b="0" lang="ru-RU" sz="1400" spc="-1" strike="noStrike">
                 <a:solidFill>
                   <a:srgbClr val="898989"/>
@@ -7281,7 +7315,7 @@
                 <a:latin typeface="Times New Roman"/>
                 <a:ea typeface="Open Sans"/>
               </a:rPr>
-              <a:t>&lt;number&gt;</a:t>
+              <a:t>14</a:t>
             </a:fld>
             <a:endParaRPr b="0" lang="en-US" sz="1400" spc="-1" strike="noStrike">
               <a:solidFill>
@@ -7335,7 +7369,7 @@
         <p:spPr>
           <a:xfrm>
             <a:off x="388440" y="1371600"/>
-            <a:ext cx="11725560" cy="5256000"/>
+            <a:ext cx="11725200" cy="5255640"/>
           </a:xfrm>
           <a:prstGeom prst="rect">
             <a:avLst/>
@@ -7565,9 +7599,9 @@
         <p:grpSpPr>
           <a:xfrm>
             <a:off x="3168000" y="283680"/>
-            <a:ext cx="5973840" cy="1037520"/>
+            <a:ext cx="5973480" cy="1037520"/>
             <a:chOff x="3168000" y="283680"/>
-            <a:chExt cx="5973840" cy="1037520"/>
+            <a:chExt cx="5973480" cy="1037520"/>
           </a:xfrm>
         </p:grpSpPr>
         <p:sp>
@@ -7579,7 +7613,7 @@
           <p:spPr>
             <a:xfrm>
               <a:off x="3168000" y="283680"/>
-              <a:ext cx="5973840" cy="1035000"/>
+              <a:ext cx="5973480" cy="1034640"/>
             </a:xfrm>
             <a:prstGeom prst="rect">
               <a:avLst/>
@@ -7645,16 +7679,16 @@
           </p:nvSpPr>
           <p:spPr>
             <a:xfrm flipH="1" rot="10800000">
-              <a:off x="3168000" y="286200"/>
-              <a:ext cx="96480" cy="1035000"/>
+              <a:off x="3167640" y="286560"/>
+              <a:ext cx="96120" cy="1034640"/>
             </a:xfrm>
             <a:custGeom>
               <a:avLst/>
               <a:gdLst>
-                <a:gd name="textAreaLeft" fmla="*/ 1440 w 96480"/>
-                <a:gd name="textAreaRight" fmla="*/ 100440 w 96480"/>
-                <a:gd name="textAreaTop" fmla="*/ 0 h 1035000"/>
-                <a:gd name="textAreaBottom" fmla="*/ 1037520 h 1035000"/>
+                <a:gd name="textAreaLeft" fmla="*/ 1440 w 96120"/>
+                <a:gd name="textAreaRight" fmla="*/ 100440 w 96120"/>
+                <a:gd name="textAreaTop" fmla="*/ 0 h 1034640"/>
+                <a:gd name="textAreaBottom" fmla="*/ 1037520 h 1034640"/>
               </a:gdLst>
               <a:ahLst/>
               <a:rect l="textAreaLeft" t="textAreaTop" r="textAreaRight" b="textAreaBottom"/>
@@ -7723,16 +7757,16 @@
           </p:nvSpPr>
           <p:spPr>
             <a:xfrm flipH="1">
-              <a:off x="9025200" y="283680"/>
-              <a:ext cx="113760" cy="1035000"/>
+              <a:off x="9024480" y="283680"/>
+              <a:ext cx="113400" cy="1034640"/>
             </a:xfrm>
             <a:custGeom>
               <a:avLst/>
               <a:gdLst>
-                <a:gd name="textAreaLeft" fmla="*/ 1440 w 113760"/>
-                <a:gd name="textAreaRight" fmla="*/ 117720 w 113760"/>
-                <a:gd name="textAreaTop" fmla="*/ 0 h 1035000"/>
-                <a:gd name="textAreaBottom" fmla="*/ 1037520 h 1035000"/>
+                <a:gd name="textAreaLeft" fmla="*/ 1440 w 113400"/>
+                <a:gd name="textAreaRight" fmla="*/ 117720 w 113400"/>
+                <a:gd name="textAreaTop" fmla="*/ 0 h 1034640"/>
+                <a:gd name="textAreaBottom" fmla="*/ 1037520 h 1034640"/>
               </a:gdLst>
               <a:ahLst/>
               <a:rect l="textAreaLeft" t="textAreaTop" r="textAreaRight" b="textAreaBottom"/>
@@ -7803,7 +7837,7 @@
         <p:spPr>
           <a:xfrm>
             <a:off x="273600" y="6435000"/>
-            <a:ext cx="567720" cy="272880"/>
+            <a:ext cx="567360" cy="272520"/>
           </a:xfrm>
           <a:prstGeom prst="rect">
             <a:avLst/>
@@ -7832,7 +7866,7 @@
                 <a:tab algn="l" pos="0"/>
               </a:tabLst>
             </a:pPr>
-            <a:fld id="{527E117F-47A2-4469-BE20-ED97D4237E9B}" type="slidenum">
+            <a:fld id="{E52535EE-6DEA-48D0-BE18-0F6E67DCD552}" type="slidenum">
               <a:rPr b="0" lang="ru-RU" sz="1400" spc="-1" strike="noStrike">
                 <a:solidFill>
                   <a:srgbClr val="898989"/>
@@ -7840,7 +7874,7 @@
                 <a:latin typeface="Times New Roman"/>
                 <a:ea typeface="Open Sans"/>
               </a:rPr>
-              <a:t>&lt;number&gt;</a:t>
+              <a:t>15</a:t>
             </a:fld>
             <a:endParaRPr b="0" lang="en-US" sz="1400" spc="-1" strike="noStrike">
               <a:solidFill>
@@ -7894,7 +7928,7 @@
         <p:spPr>
           <a:xfrm>
             <a:off x="388440" y="1371600"/>
-            <a:ext cx="11725560" cy="5256000"/>
+            <a:ext cx="11725200" cy="5255640"/>
           </a:xfrm>
           <a:prstGeom prst="rect">
             <a:avLst/>
@@ -8124,9 +8158,9 @@
         <p:grpSpPr>
           <a:xfrm>
             <a:off x="3168000" y="283680"/>
-            <a:ext cx="5973840" cy="1037520"/>
+            <a:ext cx="5973480" cy="1037520"/>
             <a:chOff x="3168000" y="283680"/>
-            <a:chExt cx="5973840" cy="1037520"/>
+            <a:chExt cx="5973480" cy="1037520"/>
           </a:xfrm>
         </p:grpSpPr>
         <p:sp>
@@ -8138,7 +8172,7 @@
           <p:spPr>
             <a:xfrm>
               <a:off x="3168000" y="283680"/>
-              <a:ext cx="5973840" cy="1035000"/>
+              <a:ext cx="5973480" cy="1034640"/>
             </a:xfrm>
             <a:prstGeom prst="rect">
               <a:avLst/>
@@ -8204,16 +8238,16 @@
           </p:nvSpPr>
           <p:spPr>
             <a:xfrm flipH="1" rot="10800000">
-              <a:off x="3168000" y="286200"/>
-              <a:ext cx="96480" cy="1035000"/>
+              <a:off x="3167640" y="286560"/>
+              <a:ext cx="96120" cy="1034640"/>
             </a:xfrm>
             <a:custGeom>
               <a:avLst/>
               <a:gdLst>
-                <a:gd name="textAreaLeft" fmla="*/ 1440 w 96480"/>
-                <a:gd name="textAreaRight" fmla="*/ 100440 w 96480"/>
-                <a:gd name="textAreaTop" fmla="*/ 0 h 1035000"/>
-                <a:gd name="textAreaBottom" fmla="*/ 1037520 h 1035000"/>
+                <a:gd name="textAreaLeft" fmla="*/ 1440 w 96120"/>
+                <a:gd name="textAreaRight" fmla="*/ 100440 w 96120"/>
+                <a:gd name="textAreaTop" fmla="*/ 0 h 1034640"/>
+                <a:gd name="textAreaBottom" fmla="*/ 1037520 h 1034640"/>
               </a:gdLst>
               <a:ahLst/>
               <a:rect l="textAreaLeft" t="textAreaTop" r="textAreaRight" b="textAreaBottom"/>
@@ -8282,16 +8316,16 @@
           </p:nvSpPr>
           <p:spPr>
             <a:xfrm flipH="1">
-              <a:off x="9025200" y="283680"/>
-              <a:ext cx="113760" cy="1035000"/>
+              <a:off x="9024480" y="283680"/>
+              <a:ext cx="113400" cy="1034640"/>
             </a:xfrm>
             <a:custGeom>
               <a:avLst/>
               <a:gdLst>
-                <a:gd name="textAreaLeft" fmla="*/ 1440 w 113760"/>
-                <a:gd name="textAreaRight" fmla="*/ 117720 w 113760"/>
-                <a:gd name="textAreaTop" fmla="*/ 0 h 1035000"/>
-                <a:gd name="textAreaBottom" fmla="*/ 1037520 h 1035000"/>
+                <a:gd name="textAreaLeft" fmla="*/ 1440 w 113400"/>
+                <a:gd name="textAreaRight" fmla="*/ 117720 w 113400"/>
+                <a:gd name="textAreaTop" fmla="*/ 0 h 1034640"/>
+                <a:gd name="textAreaBottom" fmla="*/ 1037520 h 1034640"/>
               </a:gdLst>
               <a:ahLst/>
               <a:rect l="textAreaLeft" t="textAreaTop" r="textAreaRight" b="textAreaBottom"/>
@@ -8362,7 +8396,7 @@
         <p:spPr>
           <a:xfrm>
             <a:off x="273600" y="6435000"/>
-            <a:ext cx="567720" cy="272880"/>
+            <a:ext cx="567360" cy="272520"/>
           </a:xfrm>
           <a:prstGeom prst="rect">
             <a:avLst/>
@@ -8391,7 +8425,7 @@
                 <a:tab algn="l" pos="0"/>
               </a:tabLst>
             </a:pPr>
-            <a:fld id="{8CC88773-3FBD-45E3-87BF-176FDB0F50A2}" type="slidenum">
+            <a:fld id="{3434DF71-D780-4E6F-81A3-327DF60453B1}" type="slidenum">
               <a:rPr b="0" lang="ru-RU" sz="1400" spc="-1" strike="noStrike">
                 <a:solidFill>
                   <a:srgbClr val="898989"/>
@@ -8399,7 +8433,7 @@
                 <a:latin typeface="Times New Roman"/>
                 <a:ea typeface="Open Sans"/>
               </a:rPr>
-              <a:t>&lt;number&gt;</a:t>
+              <a:t>16</a:t>
             </a:fld>
             <a:endParaRPr b="0" lang="en-US" sz="1400" spc="-1" strike="noStrike">
               <a:solidFill>
@@ -8453,7 +8487,7 @@
         <p:spPr>
           <a:xfrm>
             <a:off x="388440" y="1371600"/>
-            <a:ext cx="11725560" cy="5256000"/>
+            <a:ext cx="11725200" cy="5255640"/>
           </a:xfrm>
           <a:prstGeom prst="rect">
             <a:avLst/>
@@ -8683,9 +8717,9 @@
         <p:grpSpPr>
           <a:xfrm>
             <a:off x="3168000" y="283680"/>
-            <a:ext cx="5973840" cy="1037520"/>
+            <a:ext cx="5973480" cy="1037520"/>
             <a:chOff x="3168000" y="283680"/>
-            <a:chExt cx="5973840" cy="1037520"/>
+            <a:chExt cx="5973480" cy="1037520"/>
           </a:xfrm>
         </p:grpSpPr>
         <p:sp>
@@ -8697,7 +8731,7 @@
           <p:spPr>
             <a:xfrm>
               <a:off x="3168000" y="283680"/>
-              <a:ext cx="5973840" cy="1035000"/>
+              <a:ext cx="5973480" cy="1034640"/>
             </a:xfrm>
             <a:prstGeom prst="rect">
               <a:avLst/>
@@ -8763,16 +8797,16 @@
           </p:nvSpPr>
           <p:spPr>
             <a:xfrm flipH="1" rot="10800000">
-              <a:off x="3168000" y="286200"/>
-              <a:ext cx="96480" cy="1035000"/>
+              <a:off x="3167640" y="286560"/>
+              <a:ext cx="96120" cy="1034640"/>
             </a:xfrm>
             <a:custGeom>
               <a:avLst/>
               <a:gdLst>
-                <a:gd name="textAreaLeft" fmla="*/ 1440 w 96480"/>
-                <a:gd name="textAreaRight" fmla="*/ 100440 w 96480"/>
-                <a:gd name="textAreaTop" fmla="*/ 0 h 1035000"/>
-                <a:gd name="textAreaBottom" fmla="*/ 1037520 h 1035000"/>
+                <a:gd name="textAreaLeft" fmla="*/ 1440 w 96120"/>
+                <a:gd name="textAreaRight" fmla="*/ 100440 w 96120"/>
+                <a:gd name="textAreaTop" fmla="*/ 0 h 1034640"/>
+                <a:gd name="textAreaBottom" fmla="*/ 1037520 h 1034640"/>
               </a:gdLst>
               <a:ahLst/>
               <a:rect l="textAreaLeft" t="textAreaTop" r="textAreaRight" b="textAreaBottom"/>
@@ -8841,16 +8875,16 @@
           </p:nvSpPr>
           <p:spPr>
             <a:xfrm flipH="1">
-              <a:off x="9025200" y="283680"/>
-              <a:ext cx="113760" cy="1035000"/>
+              <a:off x="9024480" y="283680"/>
+              <a:ext cx="113400" cy="1034640"/>
             </a:xfrm>
             <a:custGeom>
               <a:avLst/>
               <a:gdLst>
-                <a:gd name="textAreaLeft" fmla="*/ 1440 w 113760"/>
-                <a:gd name="textAreaRight" fmla="*/ 117720 w 113760"/>
-                <a:gd name="textAreaTop" fmla="*/ 0 h 1035000"/>
-                <a:gd name="textAreaBottom" fmla="*/ 1037520 h 1035000"/>
+                <a:gd name="textAreaLeft" fmla="*/ 1440 w 113400"/>
+                <a:gd name="textAreaRight" fmla="*/ 117720 w 113400"/>
+                <a:gd name="textAreaTop" fmla="*/ 0 h 1034640"/>
+                <a:gd name="textAreaBottom" fmla="*/ 1037520 h 1034640"/>
               </a:gdLst>
               <a:ahLst/>
               <a:rect l="textAreaLeft" t="textAreaTop" r="textAreaRight" b="textAreaBottom"/>
@@ -8921,7 +8955,7 @@
         <p:spPr>
           <a:xfrm>
             <a:off x="273600" y="6435000"/>
-            <a:ext cx="567720" cy="272880"/>
+            <a:ext cx="567360" cy="272520"/>
           </a:xfrm>
           <a:prstGeom prst="rect">
             <a:avLst/>
@@ -8950,7 +8984,7 @@
                 <a:tab algn="l" pos="0"/>
               </a:tabLst>
             </a:pPr>
-            <a:fld id="{BAD7F88F-4A26-4756-9415-9C3829044BB2}" type="slidenum">
+            <a:fld id="{985C6C35-AF2C-4680-8B54-C764CAC5A63E}" type="slidenum">
               <a:rPr b="0" lang="ru-RU" sz="1400" spc="-1" strike="noStrike">
                 <a:solidFill>
                   <a:srgbClr val="898989"/>
@@ -8958,7 +8992,7 @@
                 <a:latin typeface="Times New Roman"/>
                 <a:ea typeface="Open Sans"/>
               </a:rPr>
-              <a:t>&lt;number&gt;</a:t>
+              <a:t>17</a:t>
             </a:fld>
             <a:endParaRPr b="0" lang="en-US" sz="1400" spc="-1" strike="noStrike">
               <a:solidFill>
@@ -9012,7 +9046,7 @@
         <p:spPr>
           <a:xfrm>
             <a:off x="388440" y="1371600"/>
-            <a:ext cx="11725560" cy="5256000"/>
+            <a:ext cx="11725200" cy="5255640"/>
           </a:xfrm>
           <a:prstGeom prst="rect">
             <a:avLst/>
@@ -9242,9 +9276,9 @@
         <p:grpSpPr>
           <a:xfrm>
             <a:off x="3168000" y="283680"/>
-            <a:ext cx="5973840" cy="1037520"/>
+            <a:ext cx="5973480" cy="1037520"/>
             <a:chOff x="3168000" y="283680"/>
-            <a:chExt cx="5973840" cy="1037520"/>
+            <a:chExt cx="5973480" cy="1037520"/>
           </a:xfrm>
         </p:grpSpPr>
         <p:sp>
@@ -9256,7 +9290,7 @@
           <p:spPr>
             <a:xfrm>
               <a:off x="3168000" y="283680"/>
-              <a:ext cx="5973840" cy="1035000"/>
+              <a:ext cx="5973480" cy="1034640"/>
             </a:xfrm>
             <a:prstGeom prst="rect">
               <a:avLst/>
@@ -9322,16 +9356,16 @@
           </p:nvSpPr>
           <p:spPr>
             <a:xfrm flipH="1" rot="10800000">
-              <a:off x="3168000" y="286200"/>
-              <a:ext cx="96480" cy="1035000"/>
+              <a:off x="3167640" y="286560"/>
+              <a:ext cx="96120" cy="1034640"/>
             </a:xfrm>
             <a:custGeom>
               <a:avLst/>
               <a:gdLst>
-                <a:gd name="textAreaLeft" fmla="*/ 1440 w 96480"/>
-                <a:gd name="textAreaRight" fmla="*/ 100440 w 96480"/>
-                <a:gd name="textAreaTop" fmla="*/ 0 h 1035000"/>
-                <a:gd name="textAreaBottom" fmla="*/ 1037520 h 1035000"/>
+                <a:gd name="textAreaLeft" fmla="*/ 1440 w 96120"/>
+                <a:gd name="textAreaRight" fmla="*/ 100440 w 96120"/>
+                <a:gd name="textAreaTop" fmla="*/ 0 h 1034640"/>
+                <a:gd name="textAreaBottom" fmla="*/ 1037520 h 1034640"/>
               </a:gdLst>
               <a:ahLst/>
               <a:rect l="textAreaLeft" t="textAreaTop" r="textAreaRight" b="textAreaBottom"/>
@@ -9400,16 +9434,16 @@
           </p:nvSpPr>
           <p:spPr>
             <a:xfrm flipH="1">
-              <a:off x="9025200" y="283680"/>
-              <a:ext cx="113760" cy="1035000"/>
+              <a:off x="9024480" y="283680"/>
+              <a:ext cx="113400" cy="1034640"/>
             </a:xfrm>
             <a:custGeom>
               <a:avLst/>
               <a:gdLst>
-                <a:gd name="textAreaLeft" fmla="*/ 1440 w 113760"/>
-                <a:gd name="textAreaRight" fmla="*/ 117720 w 113760"/>
-                <a:gd name="textAreaTop" fmla="*/ 0 h 1035000"/>
-                <a:gd name="textAreaBottom" fmla="*/ 1037520 h 1035000"/>
+                <a:gd name="textAreaLeft" fmla="*/ 1440 w 113400"/>
+                <a:gd name="textAreaRight" fmla="*/ 117720 w 113400"/>
+                <a:gd name="textAreaTop" fmla="*/ 0 h 1034640"/>
+                <a:gd name="textAreaBottom" fmla="*/ 1037520 h 1034640"/>
               </a:gdLst>
               <a:ahLst/>
               <a:rect l="textAreaLeft" t="textAreaTop" r="textAreaRight" b="textAreaBottom"/>
@@ -9480,7 +9514,7 @@
         <p:spPr>
           <a:xfrm>
             <a:off x="273600" y="6435000"/>
-            <a:ext cx="567720" cy="272880"/>
+            <a:ext cx="567360" cy="272520"/>
           </a:xfrm>
           <a:prstGeom prst="rect">
             <a:avLst/>
@@ -9509,7 +9543,7 @@
                 <a:tab algn="l" pos="0"/>
               </a:tabLst>
             </a:pPr>
-            <a:fld id="{D27475EB-00AE-41CB-9F6A-920C540FAFEA}" type="slidenum">
+            <a:fld id="{EB1ADFD9-2215-4035-995B-E2BBB1B7FC5D}" type="slidenum">
               <a:rPr b="0" lang="ru-RU" sz="1400" spc="-1" strike="noStrike">
                 <a:solidFill>
                   <a:srgbClr val="898989"/>
@@ -9517,7 +9551,7 @@
                 <a:latin typeface="Times New Roman"/>
                 <a:ea typeface="Open Sans"/>
               </a:rPr>
-              <a:t>&lt;number&gt;</a:t>
+              <a:t>18</a:t>
             </a:fld>
             <a:endParaRPr b="0" lang="en-US" sz="1400" spc="-1" strike="noStrike">
               <a:solidFill>
@@ -9567,7 +9601,7 @@
         <p:spPr>
           <a:xfrm>
             <a:off x="388800" y="1371960"/>
-            <a:ext cx="11348280" cy="4914360"/>
+            <a:ext cx="11347920" cy="4914000"/>
           </a:xfrm>
           <a:prstGeom prst="rect">
             <a:avLst/>
@@ -9613,6 +9647,16 @@
                 <a:latin typeface="Arial"/>
                 <a:ea typeface="Open Sans"/>
               </a:rPr>
+              <a:t> </a:t>
+            </a:r>
+            <a:r>
+              <a:rPr b="0" lang="ru-RU" sz="2200" spc="-1" strike="noStrike">
+                <a:solidFill>
+                  <a:srgbClr val="262626"/>
+                </a:solidFill>
+                <a:latin typeface="Arial"/>
+                <a:ea typeface="Open Sans"/>
+              </a:rPr>
               <a:t>Результаты работы моделей:</a:t>
             </a:r>
             <a:endParaRPr b="0" lang="en-US" sz="2200" spc="-1" strike="noStrike">
@@ -9648,6 +9692,16 @@
                 <a:latin typeface="Arial"/>
                 <a:ea typeface="Open Sans"/>
               </a:rPr>
+              <a:t> </a:t>
+            </a:r>
+            <a:r>
+              <a:rPr b="0" lang="ru-RU" sz="2200" spc="-1" strike="noStrike">
+                <a:solidFill>
+                  <a:srgbClr val="262626"/>
+                </a:solidFill>
+                <a:latin typeface="Arial"/>
+                <a:ea typeface="Open Sans"/>
+              </a:rPr>
               <a:t>Дальнейшие шаги по улучшению качества моделей могли бы включать:</a:t>
             </a:r>
             <a:endParaRPr b="0" lang="en-US" sz="2200" spc="-1" strike="noStrike">
@@ -9753,7 +9807,7 @@
                 <a:latin typeface="Arial"/>
                 <a:ea typeface="Open Sans"/>
               </a:rPr>
-              <a:t>Дальнейший подбор гиперпараметров (невозможен в текущем исследования из-за большого количества признаков)</a:t>
+              <a:t>Дальнейший подбор гиперпараметров (невозможен в текущем исследовании из-за большого количества признаков)</a:t>
             </a:r>
             <a:endParaRPr b="0" lang="en-US" sz="2200" spc="-1" strike="noStrike">
               <a:solidFill>
@@ -9780,6 +9834,16 @@
                 <a:tab algn="l" pos="0"/>
               </a:tabLst>
             </a:pPr>
+            <a:r>
+              <a:rPr b="0" lang="ru-RU" sz="2200" spc="-1" strike="noStrike">
+                <a:solidFill>
+                  <a:srgbClr val="262626"/>
+                </a:solidFill>
+                <a:latin typeface="Arial"/>
+                <a:ea typeface="Open Sans"/>
+              </a:rPr>
+              <a:t> </a:t>
+            </a:r>
             <a:r>
               <a:rPr b="0" lang="ru-RU" sz="2200" spc="-1" strike="noStrike">
                 <a:solidFill>
@@ -9808,7 +9872,7 @@
         <p:spPr>
           <a:xfrm>
             <a:off x="273600" y="6435000"/>
-            <a:ext cx="567720" cy="272880"/>
+            <a:ext cx="567360" cy="272520"/>
           </a:xfrm>
           <a:prstGeom prst="rect">
             <a:avLst/>
@@ -9837,7 +9901,7 @@
                 <a:tab algn="l" pos="0"/>
               </a:tabLst>
             </a:pPr>
-            <a:fld id="{54A32D19-8A8D-4F13-9C50-159E3D78C6EF}" type="slidenum">
+            <a:fld id="{EA8E92ED-13F1-4AB3-B51B-BF0A953B6298}" type="slidenum">
               <a:rPr b="0" lang="ru-RU" sz="1400" spc="-1" strike="noStrike">
                 <a:solidFill>
                   <a:srgbClr val="898989"/>
@@ -9845,7 +9909,7 @@
                 <a:latin typeface="Times New Roman"/>
                 <a:ea typeface="Open Sans"/>
               </a:rPr>
-              <a:t>&lt;number&gt;</a:t>
+              <a:t>19</a:t>
             </a:fld>
             <a:endParaRPr b="0" lang="en-US" sz="1400" spc="-1" strike="noStrike">
               <a:solidFill>
@@ -9865,9 +9929,9 @@
         <p:grpSpPr>
           <a:xfrm>
             <a:off x="3168000" y="532080"/>
-            <a:ext cx="3832920" cy="666000"/>
+            <a:ext cx="3832560" cy="666000"/>
             <a:chOff x="3168000" y="532080"/>
-            <a:chExt cx="3832920" cy="666000"/>
+            <a:chExt cx="3832560" cy="666000"/>
           </a:xfrm>
         </p:grpSpPr>
         <p:sp>
@@ -9879,7 +9943,7 @@
           <p:spPr>
             <a:xfrm>
               <a:off x="3168000" y="532080"/>
-              <a:ext cx="3832920" cy="663480"/>
+              <a:ext cx="3832560" cy="663120"/>
             </a:xfrm>
             <a:prstGeom prst="rect">
               <a:avLst/>
@@ -9945,16 +10009,16 @@
           </p:nvSpPr>
           <p:spPr>
             <a:xfrm flipH="1" rot="10800000">
-              <a:off x="3168000" y="534600"/>
-              <a:ext cx="61200" cy="663480"/>
+              <a:off x="3167640" y="534960"/>
+              <a:ext cx="60840" cy="663120"/>
             </a:xfrm>
             <a:custGeom>
               <a:avLst/>
               <a:gdLst>
-                <a:gd name="textAreaLeft" fmla="*/ 1440 w 61200"/>
-                <a:gd name="textAreaRight" fmla="*/ 65160 w 61200"/>
-                <a:gd name="textAreaTop" fmla="*/ 0 h 663480"/>
-                <a:gd name="textAreaBottom" fmla="*/ 666000 h 663480"/>
+                <a:gd name="textAreaLeft" fmla="*/ 1440 w 60840"/>
+                <a:gd name="textAreaRight" fmla="*/ 65160 w 60840"/>
+                <a:gd name="textAreaTop" fmla="*/ 0 h 663120"/>
+                <a:gd name="textAreaBottom" fmla="*/ 666000 h 663120"/>
               </a:gdLst>
               <a:ahLst/>
               <a:rect l="textAreaLeft" t="textAreaTop" r="textAreaRight" b="textAreaBottom"/>
@@ -10024,15 +10088,15 @@
           <p:spPr>
             <a:xfrm flipH="1">
               <a:off x="6925680" y="532080"/>
-              <a:ext cx="72360" cy="663480"/>
+              <a:ext cx="72000" cy="663120"/>
             </a:xfrm>
             <a:custGeom>
               <a:avLst/>
               <a:gdLst>
-                <a:gd name="textAreaLeft" fmla="*/ -1440 w 72360"/>
-                <a:gd name="textAreaRight" fmla="*/ 73440 w 72360"/>
-                <a:gd name="textAreaTop" fmla="*/ 0 h 663480"/>
-                <a:gd name="textAreaBottom" fmla="*/ 666000 h 663480"/>
+                <a:gd name="textAreaLeft" fmla="*/ -1440 w 72000"/>
+                <a:gd name="textAreaRight" fmla="*/ 73440 w 72000"/>
+                <a:gd name="textAreaTop" fmla="*/ 0 h 663120"/>
+                <a:gd name="textAreaBottom" fmla="*/ 666000 h 663120"/>
               </a:gdLst>
               <a:ahLst/>
               <a:rect l="textAreaLeft" t="textAreaTop" r="textAreaRight" b="textAreaBottom"/>
@@ -10133,7 +10197,7 @@
         <p:spPr>
           <a:xfrm>
             <a:off x="273600" y="6435000"/>
-            <a:ext cx="567720" cy="272880"/>
+            <a:ext cx="567360" cy="272520"/>
           </a:xfrm>
           <a:prstGeom prst="rect">
             <a:avLst/>
@@ -10162,7 +10226,7 @@
                 <a:tab algn="l" pos="0"/>
               </a:tabLst>
             </a:pPr>
-            <a:fld id="{DA516820-5C53-4EA9-9CA1-FF9E9BD9641F}" type="slidenum">
+            <a:fld id="{AE78C2AC-3067-4BAA-9882-FD37EB20DB4D}" type="slidenum">
               <a:rPr b="0" lang="ru-RU" sz="1400" spc="-1" strike="noStrike">
                 <a:solidFill>
                   <a:srgbClr val="898989"/>
@@ -10190,7 +10254,7 @@
         <p:spPr>
           <a:xfrm>
             <a:off x="457200" y="1406520"/>
-            <a:ext cx="11496960" cy="5027400"/>
+            <a:ext cx="11496600" cy="5027040"/>
           </a:xfrm>
           <a:prstGeom prst="rect">
             <a:avLst/>
@@ -10260,9 +10324,9 @@
         <p:grpSpPr>
           <a:xfrm>
             <a:off x="3168000" y="500760"/>
-            <a:ext cx="3832920" cy="666000"/>
+            <a:ext cx="3832560" cy="666000"/>
             <a:chOff x="3168000" y="500760"/>
-            <a:chExt cx="3832920" cy="666000"/>
+            <a:chExt cx="3832560" cy="666000"/>
           </a:xfrm>
         </p:grpSpPr>
         <p:sp>
@@ -10274,7 +10338,7 @@
           <p:spPr>
             <a:xfrm>
               <a:off x="3168000" y="500760"/>
-              <a:ext cx="3832920" cy="663480"/>
+              <a:ext cx="3832560" cy="663120"/>
             </a:xfrm>
             <a:prstGeom prst="rect">
               <a:avLst/>
@@ -10340,16 +10404,16 @@
           </p:nvSpPr>
           <p:spPr>
             <a:xfrm flipH="1" rot="10800000">
-              <a:off x="3168000" y="503280"/>
-              <a:ext cx="61200" cy="663480"/>
+              <a:off x="3167640" y="503640"/>
+              <a:ext cx="60840" cy="663120"/>
             </a:xfrm>
             <a:custGeom>
               <a:avLst/>
               <a:gdLst>
-                <a:gd name="textAreaLeft" fmla="*/ 1440 w 61200"/>
-                <a:gd name="textAreaRight" fmla="*/ 65160 w 61200"/>
-                <a:gd name="textAreaTop" fmla="*/ 0 h 663480"/>
-                <a:gd name="textAreaBottom" fmla="*/ 666000 h 663480"/>
+                <a:gd name="textAreaLeft" fmla="*/ 1440 w 60840"/>
+                <a:gd name="textAreaRight" fmla="*/ 65160 w 60840"/>
+                <a:gd name="textAreaTop" fmla="*/ 0 h 663120"/>
+                <a:gd name="textAreaBottom" fmla="*/ 666000 h 663120"/>
               </a:gdLst>
               <a:ahLst/>
               <a:rect l="textAreaLeft" t="textAreaTop" r="textAreaRight" b="textAreaBottom"/>
@@ -10419,15 +10483,15 @@
           <p:spPr>
             <a:xfrm flipH="1">
               <a:off x="6925680" y="500760"/>
-              <a:ext cx="72360" cy="663480"/>
+              <a:ext cx="72000" cy="663120"/>
             </a:xfrm>
             <a:custGeom>
               <a:avLst/>
               <a:gdLst>
-                <a:gd name="textAreaLeft" fmla="*/ -1440 w 72360"/>
-                <a:gd name="textAreaRight" fmla="*/ 73440 w 72360"/>
-                <a:gd name="textAreaTop" fmla="*/ 0 h 663480"/>
-                <a:gd name="textAreaBottom" fmla="*/ 666000 h 663480"/>
+                <a:gd name="textAreaLeft" fmla="*/ -1440 w 72000"/>
+                <a:gd name="textAreaRight" fmla="*/ 73440 w 72000"/>
+                <a:gd name="textAreaTop" fmla="*/ 0 h 663120"/>
+                <a:gd name="textAreaBottom" fmla="*/ 666000 h 663120"/>
               </a:gdLst>
               <a:ahLst/>
               <a:rect l="textAreaLeft" t="textAreaTop" r="textAreaRight" b="textAreaBottom"/>
@@ -10502,7 +10566,7 @@
         <p:spPr>
           <a:xfrm>
             <a:off x="8229600" y="2715120"/>
-            <a:ext cx="3161160" cy="1627200"/>
+            <a:ext cx="3160800" cy="1626840"/>
           </a:xfrm>
           <a:prstGeom prst="rect">
             <a:avLst/>
@@ -10521,7 +10585,7 @@
         <p:spPr>
           <a:xfrm>
             <a:off x="457200" y="2743200"/>
-            <a:ext cx="7085520" cy="2244960"/>
+            <a:ext cx="7085160" cy="2244600"/>
           </a:xfrm>
           <a:prstGeom prst="rect">
             <a:avLst/>
@@ -10651,7 +10715,7 @@
         <p:spPr>
           <a:xfrm>
             <a:off x="273600" y="6435000"/>
-            <a:ext cx="567720" cy="272880"/>
+            <a:ext cx="567360" cy="272520"/>
           </a:xfrm>
           <a:prstGeom prst="rect">
             <a:avLst/>
@@ -10680,7 +10744,7 @@
                 <a:tab algn="l" pos="0"/>
               </a:tabLst>
             </a:pPr>
-            <a:fld id="{F1C26C05-3DB9-4758-A5D3-EE73D3F46366}" type="slidenum">
+            <a:fld id="{46F585B7-69EF-437D-B122-827B6A0387D2}" type="slidenum">
               <a:rPr b="0" lang="ru-RU" sz="1400" spc="-1" strike="noStrike">
                 <a:solidFill>
                   <a:srgbClr val="898989"/>
@@ -10688,7 +10752,7 @@
                 <a:latin typeface="Times New Roman"/>
                 <a:ea typeface="Open Sans"/>
               </a:rPr>
-              <a:t>&lt;number&gt;</a:t>
+              <a:t>2</a:t>
             </a:fld>
             <a:endParaRPr b="0" lang="en-US" sz="1400" spc="-1" strike="noStrike">
               <a:solidFill>
@@ -10708,7 +10772,7 @@
         <p:spPr>
           <a:xfrm>
             <a:off x="389160" y="1600200"/>
-            <a:ext cx="11496960" cy="4798800"/>
+            <a:ext cx="11496600" cy="4798440"/>
           </a:xfrm>
           <a:prstGeom prst="rect">
             <a:avLst/>
@@ -11148,9 +11212,9 @@
         <p:grpSpPr>
           <a:xfrm>
             <a:off x="3168000" y="500760"/>
-            <a:ext cx="3832920" cy="666000"/>
+            <a:ext cx="3832560" cy="666000"/>
             <a:chOff x="3168000" y="500760"/>
-            <a:chExt cx="3832920" cy="666000"/>
+            <a:chExt cx="3832560" cy="666000"/>
           </a:xfrm>
         </p:grpSpPr>
         <p:sp>
@@ -11162,7 +11226,7 @@
           <p:spPr>
             <a:xfrm>
               <a:off x="3168000" y="500760"/>
-              <a:ext cx="3832920" cy="663480"/>
+              <a:ext cx="3832560" cy="663120"/>
             </a:xfrm>
             <a:prstGeom prst="rect">
               <a:avLst/>
@@ -11228,16 +11292,16 @@
           </p:nvSpPr>
           <p:spPr>
             <a:xfrm flipH="1" rot="10800000">
-              <a:off x="3168000" y="503280"/>
-              <a:ext cx="61200" cy="663480"/>
+              <a:off x="3167640" y="503640"/>
+              <a:ext cx="60840" cy="663120"/>
             </a:xfrm>
             <a:custGeom>
               <a:avLst/>
               <a:gdLst>
-                <a:gd name="textAreaLeft" fmla="*/ 1440 w 61200"/>
-                <a:gd name="textAreaRight" fmla="*/ 65160 w 61200"/>
-                <a:gd name="textAreaTop" fmla="*/ 0 h 663480"/>
-                <a:gd name="textAreaBottom" fmla="*/ 666000 h 663480"/>
+                <a:gd name="textAreaLeft" fmla="*/ 1440 w 60840"/>
+                <a:gd name="textAreaRight" fmla="*/ 65160 w 60840"/>
+                <a:gd name="textAreaTop" fmla="*/ 0 h 663120"/>
+                <a:gd name="textAreaBottom" fmla="*/ 666000 h 663120"/>
               </a:gdLst>
               <a:ahLst/>
               <a:rect l="textAreaLeft" t="textAreaTop" r="textAreaRight" b="textAreaBottom"/>
@@ -11307,15 +11371,15 @@
           <p:spPr>
             <a:xfrm flipH="1">
               <a:off x="6925680" y="500760"/>
-              <a:ext cx="72360" cy="663480"/>
+              <a:ext cx="72000" cy="663120"/>
             </a:xfrm>
             <a:custGeom>
               <a:avLst/>
               <a:gdLst>
-                <a:gd name="textAreaLeft" fmla="*/ -1440 w 72360"/>
-                <a:gd name="textAreaRight" fmla="*/ 73440 w 72360"/>
-                <a:gd name="textAreaTop" fmla="*/ 0 h 663480"/>
-                <a:gd name="textAreaBottom" fmla="*/ 666000 h 663480"/>
+                <a:gd name="textAreaLeft" fmla="*/ -1440 w 72000"/>
+                <a:gd name="textAreaRight" fmla="*/ 73440 w 72000"/>
+                <a:gd name="textAreaTop" fmla="*/ 0 h 663120"/>
+                <a:gd name="textAreaBottom" fmla="*/ 666000 h 663120"/>
               </a:gdLst>
               <a:ahLst/>
               <a:rect l="textAreaLeft" t="textAreaTop" r="textAreaRight" b="textAreaBottom"/>
@@ -11420,7 +11484,7 @@
         <p:spPr>
           <a:xfrm>
             <a:off x="388440" y="1371600"/>
-            <a:ext cx="11041200" cy="5028120"/>
+            <a:ext cx="11040840" cy="5027760"/>
           </a:xfrm>
           <a:prstGeom prst="rect">
             <a:avLst/>
@@ -11800,9 +11864,9 @@
         <p:grpSpPr>
           <a:xfrm>
             <a:off x="3168000" y="469440"/>
-            <a:ext cx="3832920" cy="666000"/>
+            <a:ext cx="3832560" cy="666000"/>
             <a:chOff x="3168000" y="469440"/>
-            <a:chExt cx="3832920" cy="666000"/>
+            <a:chExt cx="3832560" cy="666000"/>
           </a:xfrm>
         </p:grpSpPr>
         <p:sp>
@@ -11814,7 +11878,7 @@
           <p:spPr>
             <a:xfrm>
               <a:off x="3168000" y="469440"/>
-              <a:ext cx="3832920" cy="663480"/>
+              <a:ext cx="3832560" cy="663120"/>
             </a:xfrm>
             <a:prstGeom prst="rect">
               <a:avLst/>
@@ -11880,16 +11944,16 @@
           </p:nvSpPr>
           <p:spPr>
             <a:xfrm flipH="1" rot="10800000">
-              <a:off x="3168000" y="471960"/>
-              <a:ext cx="61200" cy="663480"/>
+              <a:off x="3167640" y="472320"/>
+              <a:ext cx="60840" cy="663120"/>
             </a:xfrm>
             <a:custGeom>
               <a:avLst/>
               <a:gdLst>
-                <a:gd name="textAreaLeft" fmla="*/ 1440 w 61200"/>
-                <a:gd name="textAreaRight" fmla="*/ 65160 w 61200"/>
-                <a:gd name="textAreaTop" fmla="*/ 0 h 663480"/>
-                <a:gd name="textAreaBottom" fmla="*/ 666000 h 663480"/>
+                <a:gd name="textAreaLeft" fmla="*/ 1440 w 60840"/>
+                <a:gd name="textAreaRight" fmla="*/ 65160 w 60840"/>
+                <a:gd name="textAreaTop" fmla="*/ 0 h 663120"/>
+                <a:gd name="textAreaBottom" fmla="*/ 666000 h 663120"/>
               </a:gdLst>
               <a:ahLst/>
               <a:rect l="textAreaLeft" t="textAreaTop" r="textAreaRight" b="textAreaBottom"/>
@@ -11959,15 +12023,15 @@
           <p:spPr>
             <a:xfrm flipH="1">
               <a:off x="6925680" y="469440"/>
-              <a:ext cx="72360" cy="663480"/>
+              <a:ext cx="72000" cy="663120"/>
             </a:xfrm>
             <a:custGeom>
               <a:avLst/>
               <a:gdLst>
-                <a:gd name="textAreaLeft" fmla="*/ -1440 w 72360"/>
-                <a:gd name="textAreaRight" fmla="*/ 73440 w 72360"/>
-                <a:gd name="textAreaTop" fmla="*/ 0 h 663480"/>
-                <a:gd name="textAreaBottom" fmla="*/ 666000 h 663480"/>
+                <a:gd name="textAreaLeft" fmla="*/ -1440 w 72000"/>
+                <a:gd name="textAreaRight" fmla="*/ 73440 w 72000"/>
+                <a:gd name="textAreaTop" fmla="*/ 0 h 663120"/>
+                <a:gd name="textAreaBottom" fmla="*/ 666000 h 663120"/>
               </a:gdLst>
               <a:ahLst/>
               <a:rect l="textAreaLeft" t="textAreaTop" r="textAreaRight" b="textAreaBottom"/>
@@ -12038,7 +12102,7 @@
         <p:spPr>
           <a:xfrm>
             <a:off x="273600" y="6435000"/>
-            <a:ext cx="567720" cy="272880"/>
+            <a:ext cx="567360" cy="272520"/>
           </a:xfrm>
           <a:prstGeom prst="rect">
             <a:avLst/>
@@ -12067,7 +12131,7 @@
                 <a:tab algn="l" pos="0"/>
               </a:tabLst>
             </a:pPr>
-            <a:fld id="{C6ED2BD9-1EED-4B3D-BB69-C2CDCEB8DAAC}" type="slidenum">
+            <a:fld id="{DA4E052B-97CA-4C7D-90AD-06F9B5CCBAC0}" type="slidenum">
               <a:rPr b="0" lang="ru-RU" sz="1400" spc="-1" strike="noStrike">
                 <a:solidFill>
                   <a:srgbClr val="898989"/>
@@ -12075,7 +12139,7 @@
                 <a:latin typeface="Times New Roman"/>
                 <a:ea typeface="Open Sans"/>
               </a:rPr>
-              <a:t>&lt;number&gt;</a:t>
+              <a:t>4</a:t>
             </a:fld>
             <a:endParaRPr b="0" lang="en-US" sz="1400" spc="-1" strike="noStrike">
               <a:solidFill>
@@ -12125,9 +12189,9 @@
         <p:grpSpPr>
           <a:xfrm>
             <a:off x="3168000" y="203760"/>
-            <a:ext cx="6890040" cy="1197360"/>
+            <a:ext cx="6889680" cy="1197360"/>
             <a:chOff x="3168000" y="203760"/>
-            <a:chExt cx="6890040" cy="1197360"/>
+            <a:chExt cx="6889680" cy="1197360"/>
           </a:xfrm>
         </p:grpSpPr>
         <p:sp>
@@ -12139,7 +12203,7 @@
           <p:spPr>
             <a:xfrm>
               <a:off x="3168000" y="203760"/>
-              <a:ext cx="6890040" cy="1193040"/>
+              <a:ext cx="6889680" cy="1192680"/>
             </a:xfrm>
             <a:prstGeom prst="rect">
               <a:avLst/>
@@ -12228,16 +12292,16 @@
           </p:nvSpPr>
           <p:spPr>
             <a:xfrm flipH="1" rot="10800000">
-              <a:off x="3168000" y="208080"/>
-              <a:ext cx="110160" cy="1193040"/>
+              <a:off x="3167640" y="208440"/>
+              <a:ext cx="109800" cy="1192680"/>
             </a:xfrm>
             <a:custGeom>
               <a:avLst/>
               <a:gdLst>
-                <a:gd name="textAreaLeft" fmla="*/ 2160 w 110160"/>
-                <a:gd name="textAreaRight" fmla="*/ 116280 w 110160"/>
-                <a:gd name="textAreaTop" fmla="*/ 0 h 1193040"/>
-                <a:gd name="textAreaBottom" fmla="*/ 1196640 h 1193040"/>
+                <a:gd name="textAreaLeft" fmla="*/ 2160 w 109800"/>
+                <a:gd name="textAreaRight" fmla="*/ 116280 w 109800"/>
+                <a:gd name="textAreaTop" fmla="*/ 0 h 1192680"/>
+                <a:gd name="textAreaBottom" fmla="*/ 1196640 h 1192680"/>
               </a:gdLst>
               <a:ahLst/>
               <a:rect l="textAreaLeft" t="textAreaTop" r="textAreaRight" b="textAreaBottom"/>
@@ -12306,16 +12370,16 @@
           </p:nvSpPr>
           <p:spPr>
             <a:xfrm flipH="1">
-              <a:off x="9923400" y="203760"/>
-              <a:ext cx="130320" cy="1193040"/>
+              <a:off x="9922680" y="203760"/>
+              <a:ext cx="129960" cy="1192680"/>
             </a:xfrm>
             <a:custGeom>
               <a:avLst/>
               <a:gdLst>
-                <a:gd name="textAreaLeft" fmla="*/ -2160 w 130320"/>
-                <a:gd name="textAreaRight" fmla="*/ 131760 w 130320"/>
-                <a:gd name="textAreaTop" fmla="*/ 0 h 1193040"/>
-                <a:gd name="textAreaBottom" fmla="*/ 1196640 h 1193040"/>
+                <a:gd name="textAreaLeft" fmla="*/ -2520 w 129960"/>
+                <a:gd name="textAreaRight" fmla="*/ 131400 w 129960"/>
+                <a:gd name="textAreaTop" fmla="*/ 0 h 1192680"/>
+                <a:gd name="textAreaBottom" fmla="*/ 1196640 h 1192680"/>
               </a:gdLst>
               <a:ahLst/>
               <a:rect l="textAreaLeft" t="textAreaTop" r="textAreaRight" b="textAreaBottom"/>
@@ -12386,7 +12450,7 @@
         <p:spPr>
           <a:xfrm>
             <a:off x="273600" y="6435000"/>
-            <a:ext cx="567720" cy="272880"/>
+            <a:ext cx="567360" cy="272520"/>
           </a:xfrm>
           <a:prstGeom prst="rect">
             <a:avLst/>
@@ -12415,7 +12479,7 @@
                 <a:tab algn="l" pos="0"/>
               </a:tabLst>
             </a:pPr>
-            <a:fld id="{400261DF-C8B0-4C57-BE32-B8335D067A3C}" type="slidenum">
+            <a:fld id="{1116599F-55D5-4681-A677-07C8525858B9}" type="slidenum">
               <a:rPr b="0" lang="ru-RU" sz="1400" spc="-1" strike="noStrike">
                 <a:solidFill>
                   <a:srgbClr val="898989"/>
@@ -12423,7 +12487,7 @@
                 <a:latin typeface="Times New Roman"/>
                 <a:ea typeface="Open Sans"/>
               </a:rPr>
-              <a:t>&lt;number&gt;</a:t>
+              <a:t>4</a:t>
             </a:fld>
             <a:endParaRPr b="0" lang="en-US" sz="1400" spc="-1" strike="noStrike">
               <a:solidFill>
@@ -12473,9 +12537,9 @@
         <p:grpSpPr>
           <a:xfrm>
             <a:off x="3168000" y="203760"/>
-            <a:ext cx="6890040" cy="1197360"/>
+            <a:ext cx="6889680" cy="1197360"/>
             <a:chOff x="3168000" y="203760"/>
-            <a:chExt cx="6890040" cy="1197360"/>
+            <a:chExt cx="6889680" cy="1197360"/>
           </a:xfrm>
         </p:grpSpPr>
         <p:sp>
@@ -12487,7 +12551,7 @@
           <p:spPr>
             <a:xfrm>
               <a:off x="3168000" y="203760"/>
-              <a:ext cx="6890040" cy="1193040"/>
+              <a:ext cx="6889680" cy="1192680"/>
             </a:xfrm>
             <a:prstGeom prst="rect">
               <a:avLst/>
@@ -12576,16 +12640,16 @@
           </p:nvSpPr>
           <p:spPr>
             <a:xfrm flipH="1" rot="10800000">
-              <a:off x="3168000" y="208080"/>
-              <a:ext cx="110160" cy="1193040"/>
+              <a:off x="3167640" y="208440"/>
+              <a:ext cx="109800" cy="1192680"/>
             </a:xfrm>
             <a:custGeom>
               <a:avLst/>
               <a:gdLst>
-                <a:gd name="textAreaLeft" fmla="*/ 2160 w 110160"/>
-                <a:gd name="textAreaRight" fmla="*/ 116280 w 110160"/>
-                <a:gd name="textAreaTop" fmla="*/ 0 h 1193040"/>
-                <a:gd name="textAreaBottom" fmla="*/ 1196640 h 1193040"/>
+                <a:gd name="textAreaLeft" fmla="*/ 2160 w 109800"/>
+                <a:gd name="textAreaRight" fmla="*/ 116280 w 109800"/>
+                <a:gd name="textAreaTop" fmla="*/ 0 h 1192680"/>
+                <a:gd name="textAreaBottom" fmla="*/ 1196640 h 1192680"/>
               </a:gdLst>
               <a:ahLst/>
               <a:rect l="textAreaLeft" t="textAreaTop" r="textAreaRight" b="textAreaBottom"/>
@@ -12654,16 +12718,16 @@
           </p:nvSpPr>
           <p:spPr>
             <a:xfrm flipH="1">
-              <a:off x="9923400" y="203760"/>
-              <a:ext cx="130320" cy="1193040"/>
+              <a:off x="9922680" y="203760"/>
+              <a:ext cx="129960" cy="1192680"/>
             </a:xfrm>
             <a:custGeom>
               <a:avLst/>
               <a:gdLst>
-                <a:gd name="textAreaLeft" fmla="*/ -2160 w 130320"/>
-                <a:gd name="textAreaRight" fmla="*/ 131760 w 130320"/>
-                <a:gd name="textAreaTop" fmla="*/ 0 h 1193040"/>
-                <a:gd name="textAreaBottom" fmla="*/ 1196640 h 1193040"/>
+                <a:gd name="textAreaLeft" fmla="*/ -2520 w 129960"/>
+                <a:gd name="textAreaRight" fmla="*/ 131400 w 129960"/>
+                <a:gd name="textAreaTop" fmla="*/ 0 h 1192680"/>
+                <a:gd name="textAreaBottom" fmla="*/ 1196640 h 1192680"/>
               </a:gdLst>
               <a:ahLst/>
               <a:rect l="textAreaLeft" t="textAreaTop" r="textAreaRight" b="textAreaBottom"/>
@@ -12734,7 +12798,7 @@
         <p:spPr>
           <a:xfrm>
             <a:off x="273600" y="6435000"/>
-            <a:ext cx="567720" cy="272880"/>
+            <a:ext cx="567360" cy="272520"/>
           </a:xfrm>
           <a:prstGeom prst="rect">
             <a:avLst/>
@@ -12763,7 +12827,7 @@
                 <a:tab algn="l" pos="0"/>
               </a:tabLst>
             </a:pPr>
-            <a:fld id="{64B3B869-B6D8-4C00-9FD9-7DAE685232A2}" type="slidenum">
+            <a:fld id="{176F32D1-90C6-48C0-B2C1-45D663B538F2}" type="slidenum">
               <a:rPr b="0" lang="ru-RU" sz="1400" spc="-1" strike="noStrike">
                 <a:solidFill>
                   <a:srgbClr val="898989"/>
@@ -12771,7 +12835,7 @@
                 <a:latin typeface="Times New Roman"/>
                 <a:ea typeface="Open Sans"/>
               </a:rPr>
-              <a:t>&lt;number&gt;</a:t>
+              <a:t>4</a:t>
             </a:fld>
             <a:endParaRPr b="0" lang="en-US" sz="1400" spc="-1" strike="noStrike">
               <a:solidFill>
@@ -12791,7 +12855,7 @@
         <p:spPr>
           <a:xfrm>
             <a:off x="388440" y="1600200"/>
-            <a:ext cx="4410360" cy="914040"/>
+            <a:ext cx="4410000" cy="913680"/>
           </a:xfrm>
           <a:prstGeom prst="rect">
             <a:avLst/>
@@ -12851,7 +12915,7 @@
         <p:spPr>
           <a:xfrm>
             <a:off x="5029200" y="1600200"/>
-            <a:ext cx="6858000" cy="1141200"/>
+            <a:ext cx="6857640" cy="1140840"/>
           </a:xfrm>
           <a:prstGeom prst="rect">
             <a:avLst/>
@@ -12939,7 +13003,7 @@
         </p:nvGraphicFramePr>
         <p:xfrm>
           <a:off x="5226120" y="2768760"/>
-          <a:ext cx="3870000" cy="2020320"/>
+          <a:ext cx="3870000" cy="2270160"/>
         </p:xfrm>
         <a:graphic>
           <a:graphicData uri="http://schemas.openxmlformats.org/drawingml/2006/table">
@@ -12952,10 +13016,15 @@
               <a:tr h="413640">
                 <a:tc>
                   <a:txBody>
-                    <a:bodyPr lIns="36000" rIns="36000" tIns="36000" bIns="36000" anchor="t">
+                    <a:bodyPr lIns="36000" rIns="36000" anchor="t">
                       <a:noAutofit/>
                     </a:bodyPr>
                     <a:p>
+                      <a:pPr>
+                        <a:lnSpc>
+                          <a:spcPct val="100000"/>
+                        </a:lnSpc>
+                      </a:pPr>
                       <a:r>
                         <a:rPr b="1" lang="en-US" sz="1200" spc="-1" strike="noStrike">
                           <a:solidFill>
@@ -12965,12 +13034,11 @@
                         </a:rPr>
                         <a:t>Feature</a:t>
                       </a:r>
-                      <a:endParaRPr b="1" lang="en-US" sz="1200" spc="-1" strike="noStrike">
+                      <a:endParaRPr b="0" lang="en-US" sz="1200" spc="-1" strike="noStrike">
                         <a:solidFill>
                           <a:srgbClr val="000000"/>
                         </a:solidFill>
                         <a:latin typeface="Arial"/>
-                        <a:ea typeface="Arial"/>
                       </a:endParaRPr>
                     </a:p>
                   </a:txBody>
@@ -13004,10 +13072,15 @@
                 </a:tc>
                 <a:tc>
                   <a:txBody>
-                    <a:bodyPr lIns="36000" rIns="36000" tIns="36000" bIns="36000" anchor="t">
+                    <a:bodyPr lIns="36000" rIns="36000" anchor="t">
                       <a:noAutofit/>
                     </a:bodyPr>
                     <a:p>
+                      <a:pPr>
+                        <a:lnSpc>
+                          <a:spcPct val="100000"/>
+                        </a:lnSpc>
+                      </a:pPr>
                       <a:r>
                         <a:rPr b="1" lang="en-US" sz="1200" spc="-1" strike="noStrike">
                           <a:solidFill>
@@ -13017,12 +13090,11 @@
                         </a:rPr>
                         <a:t>Correlation (Pearson)</a:t>
                       </a:r>
-                      <a:endParaRPr b="1" lang="en-US" sz="1200" spc="-1" strike="noStrike">
+                      <a:endParaRPr b="0" lang="en-US" sz="1200" spc="-1" strike="noStrike">
                         <a:solidFill>
                           <a:srgbClr val="000000"/>
                         </a:solidFill>
                         <a:latin typeface="Arial"/>
-                        <a:ea typeface="Arial"/>
                       </a:endParaRPr>
                     </a:p>
                   </a:txBody>
@@ -13058,10 +13130,15 @@
               <a:tr h="243000">
                 <a:tc>
                   <a:txBody>
-                    <a:bodyPr lIns="36000" rIns="36000" tIns="36000" bIns="36000" anchor="t">
+                    <a:bodyPr lIns="36000" rIns="36000" anchor="t">
                       <a:noAutofit/>
                     </a:bodyPr>
                     <a:p>
+                      <a:pPr>
+                        <a:lnSpc>
+                          <a:spcPct val="100000"/>
+                        </a:lnSpc>
+                      </a:pPr>
                       <a:r>
                         <a:rPr b="0" lang="en-US" sz="1200" spc="-1" strike="noStrike">
                           <a:solidFill>
@@ -13076,7 +13153,6 @@
                           <a:srgbClr val="000000"/>
                         </a:solidFill>
                         <a:latin typeface="Arial"/>
-                        <a:ea typeface="Arial"/>
                       </a:endParaRPr>
                     </a:p>
                   </a:txBody>
@@ -13110,11 +13186,15 @@
                 </a:tc>
                 <a:tc>
                   <a:txBody>
-                    <a:bodyPr lIns="36000" rIns="36000" tIns="36000" bIns="36000" anchor="t">
+                    <a:bodyPr lIns="36000" rIns="36000" anchor="t">
                       <a:noAutofit/>
                     </a:bodyPr>
                     <a:p>
-                      <a:pPr algn="r"/>
+                      <a:pPr algn="r">
+                        <a:lnSpc>
+                          <a:spcPct val="100000"/>
+                        </a:lnSpc>
+                      </a:pPr>
                       <a:r>
                         <a:rPr b="0" lang="en-US" sz="1200" spc="-1" strike="noStrike">
                           <a:solidFill>
@@ -13129,7 +13209,6 @@
                           <a:srgbClr val="000000"/>
                         </a:solidFill>
                         <a:latin typeface="Arial"/>
-                        <a:ea typeface="Arial"/>
                       </a:endParaRPr>
                     </a:p>
                   </a:txBody>
@@ -13165,10 +13244,15 @@
               <a:tr h="243000">
                 <a:tc>
                   <a:txBody>
-                    <a:bodyPr lIns="36000" rIns="36000" tIns="36000" bIns="36000" anchor="t">
+                    <a:bodyPr lIns="36000" rIns="36000" anchor="t">
                       <a:noAutofit/>
                     </a:bodyPr>
                     <a:p>
+                      <a:pPr>
+                        <a:lnSpc>
+                          <a:spcPct val="100000"/>
+                        </a:lnSpc>
+                      </a:pPr>
                       <a:r>
                         <a:rPr b="0" lang="en-US" sz="1200" spc="-1" strike="noStrike">
                           <a:solidFill>
@@ -13183,7 +13267,6 @@
                           <a:srgbClr val="000000"/>
                         </a:solidFill>
                         <a:latin typeface="Arial"/>
-                        <a:ea typeface="Arial"/>
                       </a:endParaRPr>
                     </a:p>
                   </a:txBody>
@@ -13217,11 +13300,15 @@
                 </a:tc>
                 <a:tc>
                   <a:txBody>
-                    <a:bodyPr lIns="36000" rIns="36000" tIns="36000" bIns="36000" anchor="t">
+                    <a:bodyPr lIns="36000" rIns="36000" anchor="t">
                       <a:noAutofit/>
                     </a:bodyPr>
                     <a:p>
-                      <a:pPr algn="r"/>
+                      <a:pPr algn="r">
+                        <a:lnSpc>
+                          <a:spcPct val="100000"/>
+                        </a:lnSpc>
+                      </a:pPr>
                       <a:r>
                         <a:rPr b="0" lang="en-US" sz="1200" spc="-1" strike="noStrike">
                           <a:solidFill>
@@ -13236,7 +13323,6 @@
                           <a:srgbClr val="000000"/>
                         </a:solidFill>
                         <a:latin typeface="Arial"/>
-                        <a:ea typeface="Arial"/>
                       </a:endParaRPr>
                     </a:p>
                   </a:txBody>
@@ -13272,10 +13358,15 @@
               <a:tr h="243000">
                 <a:tc>
                   <a:txBody>
-                    <a:bodyPr lIns="36000" rIns="36000" tIns="36000" bIns="36000" anchor="t">
+                    <a:bodyPr lIns="36000" rIns="36000" anchor="t">
                       <a:noAutofit/>
                     </a:bodyPr>
                     <a:p>
+                      <a:pPr>
+                        <a:lnSpc>
+                          <a:spcPct val="100000"/>
+                        </a:lnSpc>
+                      </a:pPr>
                       <a:r>
                         <a:rPr b="0" lang="en-US" sz="1200" spc="-1" strike="noStrike">
                           <a:solidFill>
@@ -13290,7 +13381,6 @@
                           <a:srgbClr val="000000"/>
                         </a:solidFill>
                         <a:latin typeface="Arial"/>
-                        <a:ea typeface="Arial"/>
                       </a:endParaRPr>
                     </a:p>
                   </a:txBody>
@@ -13324,11 +13414,15 @@
                 </a:tc>
                 <a:tc>
                   <a:txBody>
-                    <a:bodyPr lIns="36000" rIns="36000" tIns="36000" bIns="36000" anchor="t">
+                    <a:bodyPr lIns="36000" rIns="36000" anchor="t">
                       <a:noAutofit/>
                     </a:bodyPr>
                     <a:p>
-                      <a:pPr algn="r"/>
+                      <a:pPr algn="r">
+                        <a:lnSpc>
+                          <a:spcPct val="100000"/>
+                        </a:lnSpc>
+                      </a:pPr>
                       <a:r>
                         <a:rPr b="0" lang="en-US" sz="1200" spc="-1" strike="noStrike">
                           <a:solidFill>
@@ -13343,7 +13437,6 @@
                           <a:srgbClr val="000000"/>
                         </a:solidFill>
                         <a:latin typeface="Arial"/>
-                        <a:ea typeface="Arial"/>
                       </a:endParaRPr>
                     </a:p>
                   </a:txBody>
@@ -13379,10 +13472,15 @@
               <a:tr h="243000">
                 <a:tc>
                   <a:txBody>
-                    <a:bodyPr lIns="36000" rIns="36000" tIns="36000" bIns="36000" anchor="t">
+                    <a:bodyPr lIns="36000" rIns="36000" anchor="t">
                       <a:noAutofit/>
                     </a:bodyPr>
                     <a:p>
+                      <a:pPr>
+                        <a:lnSpc>
+                          <a:spcPct val="100000"/>
+                        </a:lnSpc>
+                      </a:pPr>
                       <a:r>
                         <a:rPr b="0" lang="en-US" sz="1200" spc="-1" strike="noStrike">
                           <a:solidFill>
@@ -13397,7 +13495,6 @@
                           <a:srgbClr val="000000"/>
                         </a:solidFill>
                         <a:latin typeface="Arial"/>
-                        <a:ea typeface="Arial"/>
                       </a:endParaRPr>
                     </a:p>
                   </a:txBody>
@@ -13431,11 +13528,15 @@
                 </a:tc>
                 <a:tc>
                   <a:txBody>
-                    <a:bodyPr lIns="36000" rIns="36000" tIns="36000" bIns="36000" anchor="t">
+                    <a:bodyPr lIns="36000" rIns="36000" anchor="t">
                       <a:noAutofit/>
                     </a:bodyPr>
                     <a:p>
-                      <a:pPr algn="r"/>
+                      <a:pPr algn="r">
+                        <a:lnSpc>
+                          <a:spcPct val="100000"/>
+                        </a:lnSpc>
+                      </a:pPr>
                       <a:r>
                         <a:rPr b="0" lang="en-US" sz="1200" spc="-1" strike="noStrike">
                           <a:solidFill>
@@ -13450,7 +13551,6 @@
                           <a:srgbClr val="000000"/>
                         </a:solidFill>
                         <a:latin typeface="Arial"/>
-                        <a:ea typeface="Arial"/>
                       </a:endParaRPr>
                     </a:p>
                   </a:txBody>
@@ -13486,10 +13586,15 @@
               <a:tr h="243000">
                 <a:tc>
                   <a:txBody>
-                    <a:bodyPr lIns="36000" rIns="36000" tIns="36000" bIns="36000" anchor="t">
+                    <a:bodyPr lIns="36000" rIns="36000" anchor="t">
                       <a:noAutofit/>
                     </a:bodyPr>
                     <a:p>
+                      <a:pPr>
+                        <a:lnSpc>
+                          <a:spcPct val="100000"/>
+                        </a:lnSpc>
+                      </a:pPr>
                       <a:r>
                         <a:rPr b="0" lang="en-US" sz="1200" spc="-1" strike="noStrike">
                           <a:solidFill>
@@ -13504,7 +13609,6 @@
                           <a:srgbClr val="000000"/>
                         </a:solidFill>
                         <a:latin typeface="Arial"/>
-                        <a:ea typeface="Arial"/>
                       </a:endParaRPr>
                     </a:p>
                   </a:txBody>
@@ -13538,11 +13642,15 @@
                 </a:tc>
                 <a:tc>
                   <a:txBody>
-                    <a:bodyPr lIns="36000" rIns="36000" tIns="36000" bIns="36000" anchor="t">
+                    <a:bodyPr lIns="36000" rIns="36000" anchor="t">
                       <a:noAutofit/>
                     </a:bodyPr>
                     <a:p>
-                      <a:pPr algn="r"/>
+                      <a:pPr algn="r">
+                        <a:lnSpc>
+                          <a:spcPct val="100000"/>
+                        </a:lnSpc>
+                      </a:pPr>
                       <a:r>
                         <a:rPr b="0" lang="en-US" sz="1200" spc="-1" strike="noStrike">
                           <a:solidFill>
@@ -13557,7 +13665,6 @@
                           <a:srgbClr val="000000"/>
                         </a:solidFill>
                         <a:latin typeface="Arial"/>
-                        <a:ea typeface="Arial"/>
                       </a:endParaRPr>
                     </a:p>
                   </a:txBody>
@@ -13593,10 +13700,15 @@
               <a:tr h="243000">
                 <a:tc>
                   <a:txBody>
-                    <a:bodyPr lIns="36000" rIns="36000" tIns="36000" bIns="36000" anchor="t">
+                    <a:bodyPr lIns="36000" rIns="36000" anchor="t">
                       <a:noAutofit/>
                     </a:bodyPr>
                     <a:p>
+                      <a:pPr>
+                        <a:lnSpc>
+                          <a:spcPct val="100000"/>
+                        </a:lnSpc>
+                      </a:pPr>
                       <a:r>
                         <a:rPr b="0" lang="en-US" sz="1200" spc="-1" strike="noStrike">
                           <a:solidFill>
@@ -13611,7 +13723,6 @@
                           <a:srgbClr val="000000"/>
                         </a:solidFill>
                         <a:latin typeface="Arial"/>
-                        <a:ea typeface="Arial"/>
                       </a:endParaRPr>
                     </a:p>
                   </a:txBody>
@@ -13645,11 +13756,15 @@
                 </a:tc>
                 <a:tc>
                   <a:txBody>
-                    <a:bodyPr lIns="36000" rIns="36000" tIns="36000" bIns="36000" anchor="t">
+                    <a:bodyPr lIns="36000" rIns="36000" anchor="t">
                       <a:noAutofit/>
                     </a:bodyPr>
                     <a:p>
-                      <a:pPr algn="r"/>
+                      <a:pPr algn="r">
+                        <a:lnSpc>
+                          <a:spcPct val="100000"/>
+                        </a:lnSpc>
+                      </a:pPr>
                       <a:r>
                         <a:rPr b="0" lang="en-US" sz="1200" spc="-1" strike="noStrike">
                           <a:solidFill>
@@ -13664,7 +13779,6 @@
                           <a:srgbClr val="000000"/>
                         </a:solidFill>
                         <a:latin typeface="Arial"/>
-                        <a:ea typeface="Arial"/>
                       </a:endParaRPr>
                     </a:p>
                   </a:txBody>
@@ -13700,10 +13814,15 @@
               <a:tr h="243000">
                 <a:tc>
                   <a:txBody>
-                    <a:bodyPr lIns="36000" rIns="36000" tIns="36000" bIns="36000" anchor="t">
+                    <a:bodyPr lIns="36000" rIns="36000" anchor="t">
                       <a:noAutofit/>
                     </a:bodyPr>
                     <a:p>
+                      <a:pPr>
+                        <a:lnSpc>
+                          <a:spcPct val="100000"/>
+                        </a:lnSpc>
+                      </a:pPr>
                       <a:r>
                         <a:rPr b="0" lang="en-US" sz="1200" spc="-1" strike="noStrike">
                           <a:solidFill>
@@ -13718,7 +13837,6 @@
                           <a:srgbClr val="000000"/>
                         </a:solidFill>
                         <a:latin typeface="Arial"/>
-                        <a:ea typeface="Arial"/>
                       </a:endParaRPr>
                     </a:p>
                   </a:txBody>
@@ -13752,11 +13870,15 @@
                 </a:tc>
                 <a:tc>
                   <a:txBody>
-                    <a:bodyPr lIns="36000" rIns="36000" tIns="36000" bIns="36000" anchor="t">
+                    <a:bodyPr lIns="36000" rIns="36000" anchor="t">
                       <a:noAutofit/>
                     </a:bodyPr>
                     <a:p>
-                      <a:pPr algn="r"/>
+                      <a:pPr algn="r">
+                        <a:lnSpc>
+                          <a:spcPct val="100000"/>
+                        </a:lnSpc>
+                      </a:pPr>
                       <a:r>
                         <a:rPr b="0" lang="en-US" sz="1200" spc="-1" strike="noStrike">
                           <a:solidFill>
@@ -13771,7 +13893,6 @@
                           <a:srgbClr val="000000"/>
                         </a:solidFill>
                         <a:latin typeface="Arial"/>
-                        <a:ea typeface="Arial"/>
                       </a:endParaRPr>
                     </a:p>
                   </a:txBody>
@@ -13821,7 +13942,7 @@
         <p:spPr>
           <a:xfrm>
             <a:off x="529200" y="2536920"/>
-            <a:ext cx="4114800" cy="3520440"/>
+            <a:ext cx="4114440" cy="3520080"/>
           </a:xfrm>
           <a:prstGeom prst="rect">
             <a:avLst/>
@@ -13874,7 +13995,7 @@
         <p:spPr>
           <a:xfrm>
             <a:off x="388440" y="1371600"/>
-            <a:ext cx="5781960" cy="5256000"/>
+            <a:ext cx="5781600" cy="5255640"/>
           </a:xfrm>
           <a:prstGeom prst="rect">
             <a:avLst/>
@@ -14061,9 +14182,9 @@
         <p:grpSpPr>
           <a:xfrm>
             <a:off x="3168000" y="243720"/>
-            <a:ext cx="6431400" cy="1117440"/>
+            <a:ext cx="6431040" cy="1117440"/>
             <a:chOff x="3168000" y="243720"/>
-            <a:chExt cx="6431400" cy="1117440"/>
+            <a:chExt cx="6431040" cy="1117440"/>
           </a:xfrm>
         </p:grpSpPr>
         <p:sp>
@@ -14075,7 +14196,7 @@
           <p:spPr>
             <a:xfrm>
               <a:off x="3168000" y="243720"/>
-              <a:ext cx="6431400" cy="1114200"/>
+              <a:ext cx="6431040" cy="1113840"/>
             </a:xfrm>
             <a:prstGeom prst="rect">
               <a:avLst/>
@@ -14141,16 +14262,16 @@
           </p:nvSpPr>
           <p:spPr>
             <a:xfrm flipH="1" rot="10800000">
-              <a:off x="3167640" y="246960"/>
-              <a:ext cx="104040" cy="1114200"/>
+              <a:off x="3168000" y="247320"/>
+              <a:ext cx="103680" cy="1113840"/>
             </a:xfrm>
             <a:custGeom>
               <a:avLst/>
               <a:gdLst>
-                <a:gd name="textAreaLeft" fmla="*/ 1440 w 104040"/>
-                <a:gd name="textAreaRight" fmla="*/ 108360 w 104040"/>
-                <a:gd name="textAreaTop" fmla="*/ 0 h 1114200"/>
-                <a:gd name="textAreaBottom" fmla="*/ 1116720 h 1114200"/>
+                <a:gd name="textAreaLeft" fmla="*/ 1800 w 103680"/>
+                <a:gd name="textAreaRight" fmla="*/ 108720 w 103680"/>
+                <a:gd name="textAreaTop" fmla="*/ 0 h 1113840"/>
+                <a:gd name="textAreaBottom" fmla="*/ 1116720 h 1113840"/>
               </a:gdLst>
               <a:ahLst/>
               <a:rect l="textAreaLeft" t="textAreaTop" r="textAreaRight" b="textAreaBottom"/>
@@ -14220,15 +14341,15 @@
           <p:spPr>
             <a:xfrm flipH="1">
               <a:off x="9473400" y="243720"/>
-              <a:ext cx="122760" cy="1114200"/>
+              <a:ext cx="122400" cy="1113840"/>
             </a:xfrm>
             <a:custGeom>
               <a:avLst/>
               <a:gdLst>
-                <a:gd name="textAreaLeft" fmla="*/ -1440 w 122760"/>
-                <a:gd name="textAreaRight" fmla="*/ 123840 w 122760"/>
-                <a:gd name="textAreaTop" fmla="*/ 0 h 1114200"/>
-                <a:gd name="textAreaBottom" fmla="*/ 1116720 h 1114200"/>
+                <a:gd name="textAreaLeft" fmla="*/ -1440 w 122400"/>
+                <a:gd name="textAreaRight" fmla="*/ 123840 w 122400"/>
+                <a:gd name="textAreaTop" fmla="*/ 0 h 1113840"/>
+                <a:gd name="textAreaBottom" fmla="*/ 1116720 h 1113840"/>
               </a:gdLst>
               <a:ahLst/>
               <a:rect l="textAreaLeft" t="textAreaTop" r="textAreaRight" b="textAreaBottom"/>
@@ -14299,7 +14420,7 @@
         <p:spPr>
           <a:xfrm>
             <a:off x="6400800" y="1359000"/>
-            <a:ext cx="5484600" cy="5268600"/>
+            <a:ext cx="5484240" cy="5268240"/>
           </a:xfrm>
           <a:prstGeom prst="rect">
             <a:avLst/>
@@ -14846,7 +14967,7 @@
         <p:spPr>
           <a:xfrm>
             <a:off x="273600" y="6435000"/>
-            <a:ext cx="567720" cy="272880"/>
+            <a:ext cx="567360" cy="272520"/>
           </a:xfrm>
           <a:prstGeom prst="rect">
             <a:avLst/>
@@ -14875,7 +14996,7 @@
                 <a:tab algn="l" pos="0"/>
               </a:tabLst>
             </a:pPr>
-            <a:fld id="{9FFA03A0-4B1A-4213-AA0E-59660EE150BA}" type="slidenum">
+            <a:fld id="{219DEB59-CD7B-4C28-992F-5EF079E84595}" type="slidenum">
               <a:rPr b="0" lang="ru-RU" sz="1400" spc="-1" strike="noStrike">
                 <a:solidFill>
                   <a:srgbClr val="898989"/>
@@ -14883,7 +15004,7 @@
                 <a:latin typeface="Times New Roman"/>
                 <a:ea typeface="Open Sans"/>
               </a:rPr>
-              <a:t>&lt;number&gt;</a:t>
+              <a:t>7</a:t>
             </a:fld>
             <a:endParaRPr b="0" lang="en-US" sz="1400" spc="-1" strike="noStrike">
               <a:solidFill>
@@ -14937,7 +15058,7 @@
         <p:spPr>
           <a:xfrm>
             <a:off x="388440" y="1600200"/>
-            <a:ext cx="11496960" cy="5027400"/>
+            <a:ext cx="11496600" cy="5027040"/>
           </a:xfrm>
           <a:prstGeom prst="rect">
             <a:avLst/>
@@ -15334,9 +15455,9 @@
         <p:grpSpPr>
           <a:xfrm>
             <a:off x="3168000" y="243720"/>
-            <a:ext cx="6431400" cy="1117440"/>
+            <a:ext cx="6431040" cy="1117440"/>
             <a:chOff x="3168000" y="243720"/>
-            <a:chExt cx="6431400" cy="1117440"/>
+            <a:chExt cx="6431040" cy="1117440"/>
           </a:xfrm>
         </p:grpSpPr>
         <p:sp>
@@ -15348,7 +15469,7 @@
           <p:spPr>
             <a:xfrm>
               <a:off x="3168000" y="243720"/>
-              <a:ext cx="6431400" cy="1114200"/>
+              <a:ext cx="6431040" cy="1113840"/>
             </a:xfrm>
             <a:prstGeom prst="rect">
               <a:avLst/>
@@ -15414,16 +15535,16 @@
           </p:nvSpPr>
           <p:spPr>
             <a:xfrm flipH="1" rot="10800000">
-              <a:off x="3167640" y="246960"/>
-              <a:ext cx="104040" cy="1114200"/>
+              <a:off x="3168000" y="247320"/>
+              <a:ext cx="103680" cy="1113840"/>
             </a:xfrm>
             <a:custGeom>
               <a:avLst/>
               <a:gdLst>
-                <a:gd name="textAreaLeft" fmla="*/ 1440 w 104040"/>
-                <a:gd name="textAreaRight" fmla="*/ 108360 w 104040"/>
-                <a:gd name="textAreaTop" fmla="*/ 0 h 1114200"/>
-                <a:gd name="textAreaBottom" fmla="*/ 1116720 h 1114200"/>
+                <a:gd name="textAreaLeft" fmla="*/ 1800 w 103680"/>
+                <a:gd name="textAreaRight" fmla="*/ 108720 w 103680"/>
+                <a:gd name="textAreaTop" fmla="*/ 0 h 1113840"/>
+                <a:gd name="textAreaBottom" fmla="*/ 1116720 h 1113840"/>
               </a:gdLst>
               <a:ahLst/>
               <a:rect l="textAreaLeft" t="textAreaTop" r="textAreaRight" b="textAreaBottom"/>
@@ -15493,15 +15614,15 @@
           <p:spPr>
             <a:xfrm flipH="1">
               <a:off x="9473400" y="243720"/>
-              <a:ext cx="122760" cy="1114200"/>
+              <a:ext cx="122400" cy="1113840"/>
             </a:xfrm>
             <a:custGeom>
               <a:avLst/>
               <a:gdLst>
-                <a:gd name="textAreaLeft" fmla="*/ -1440 w 122760"/>
-                <a:gd name="textAreaRight" fmla="*/ 123840 w 122760"/>
-                <a:gd name="textAreaTop" fmla="*/ 0 h 1114200"/>
-                <a:gd name="textAreaBottom" fmla="*/ 1116720 h 1114200"/>
+                <a:gd name="textAreaLeft" fmla="*/ -1440 w 122400"/>
+                <a:gd name="textAreaRight" fmla="*/ 123840 w 122400"/>
+                <a:gd name="textAreaTop" fmla="*/ 0 h 1113840"/>
+                <a:gd name="textAreaBottom" fmla="*/ 1116720 h 1113840"/>
               </a:gdLst>
               <a:ahLst/>
               <a:rect l="textAreaLeft" t="textAreaTop" r="textAreaRight" b="textAreaBottom"/>
@@ -15572,7 +15693,7 @@
         <p:spPr>
           <a:xfrm>
             <a:off x="273600" y="6435000"/>
-            <a:ext cx="567720" cy="272880"/>
+            <a:ext cx="567360" cy="272520"/>
           </a:xfrm>
           <a:prstGeom prst="rect">
             <a:avLst/>
@@ -15601,7 +15722,7 @@
                 <a:tab algn="l" pos="0"/>
               </a:tabLst>
             </a:pPr>
-            <a:fld id="{EBB09B3E-58A3-4766-9ABC-964B2863CD22}" type="slidenum">
+            <a:fld id="{B69E86C5-3019-4DAD-B3A6-6680F7AA3925}" type="slidenum">
               <a:rPr b="0" lang="ru-RU" sz="1400" spc="-1" strike="noStrike">
                 <a:solidFill>
                   <a:srgbClr val="898989"/>
@@ -15609,7 +15730,7 @@
                 <a:latin typeface="Times New Roman"/>
                 <a:ea typeface="Open Sans"/>
               </a:rPr>
-              <a:t>&lt;number&gt;</a:t>
+              <a:t>8</a:t>
             </a:fld>
             <a:endParaRPr b="0" lang="en-US" sz="1400" spc="-1" strike="noStrike">
               <a:solidFill>
@@ -15663,7 +15784,7 @@
         <p:spPr>
           <a:xfrm>
             <a:off x="388440" y="1600200"/>
-            <a:ext cx="4410360" cy="1141200"/>
+            <a:ext cx="4410000" cy="1140840"/>
           </a:xfrm>
           <a:prstGeom prst="rect">
             <a:avLst/>
@@ -15758,9 +15879,9 @@
         <p:grpSpPr>
           <a:xfrm>
             <a:off x="3168000" y="184320"/>
-            <a:ext cx="7118640" cy="1236240"/>
+            <a:ext cx="7118280" cy="1236240"/>
             <a:chOff x="3168000" y="184320"/>
-            <a:chExt cx="7118640" cy="1236240"/>
+            <a:chExt cx="7118280" cy="1236240"/>
           </a:xfrm>
         </p:grpSpPr>
         <p:sp>
@@ -15772,7 +15893,7 @@
           <p:spPr>
             <a:xfrm>
               <a:off x="3168000" y="184320"/>
-              <a:ext cx="7118640" cy="1233360"/>
+              <a:ext cx="7118280" cy="1233000"/>
             </a:xfrm>
             <a:prstGeom prst="rect">
               <a:avLst/>
@@ -15838,16 +15959,16 @@
           </p:nvSpPr>
           <p:spPr>
             <a:xfrm flipH="1" rot="10800000">
-              <a:off x="3167640" y="187200"/>
-              <a:ext cx="115560" cy="1233360"/>
+              <a:off x="3168000" y="187560"/>
+              <a:ext cx="115200" cy="1233000"/>
             </a:xfrm>
             <a:custGeom>
               <a:avLst/>
               <a:gdLst>
-                <a:gd name="textAreaLeft" fmla="*/ 720 w 115560"/>
-                <a:gd name="textAreaRight" fmla="*/ 118800 w 115560"/>
-                <a:gd name="textAreaTop" fmla="*/ 0 h 1233360"/>
-                <a:gd name="textAreaBottom" fmla="*/ 1235880 h 1233360"/>
+                <a:gd name="textAreaLeft" fmla="*/ 720 w 115200"/>
+                <a:gd name="textAreaRight" fmla="*/ 118800 w 115200"/>
+                <a:gd name="textAreaTop" fmla="*/ 0 h 1233000"/>
+                <a:gd name="textAreaBottom" fmla="*/ 1235880 h 1233000"/>
               </a:gdLst>
               <a:ahLst/>
               <a:rect l="textAreaLeft" t="textAreaTop" r="textAreaRight" b="textAreaBottom"/>
@@ -15917,15 +16038,15 @@
           <p:spPr>
             <a:xfrm flipH="1">
               <a:off x="10146960" y="184320"/>
-              <a:ext cx="136440" cy="1233360"/>
+              <a:ext cx="136080" cy="1233000"/>
             </a:xfrm>
             <a:custGeom>
               <a:avLst/>
               <a:gdLst>
-                <a:gd name="textAreaLeft" fmla="*/ -720 w 136440"/>
-                <a:gd name="textAreaRight" fmla="*/ 137880 w 136440"/>
-                <a:gd name="textAreaTop" fmla="*/ 0 h 1233360"/>
-                <a:gd name="textAreaBottom" fmla="*/ 1235880 h 1233360"/>
+                <a:gd name="textAreaLeft" fmla="*/ -360 w 136080"/>
+                <a:gd name="textAreaRight" fmla="*/ 138240 w 136080"/>
+                <a:gd name="textAreaTop" fmla="*/ 0 h 1233000"/>
+                <a:gd name="textAreaBottom" fmla="*/ 1235880 h 1233000"/>
               </a:gdLst>
               <a:ahLst/>
               <a:rect l="textAreaLeft" t="textAreaTop" r="textAreaRight" b="textAreaBottom"/>
@@ -15996,7 +16117,7 @@
         <p:spPr>
           <a:xfrm>
             <a:off x="273600" y="6435000"/>
-            <a:ext cx="567720" cy="272880"/>
+            <a:ext cx="567360" cy="272520"/>
           </a:xfrm>
           <a:prstGeom prst="rect">
             <a:avLst/>
@@ -16025,7 +16146,7 @@
                 <a:tab algn="l" pos="0"/>
               </a:tabLst>
             </a:pPr>
-            <a:fld id="{12EF57A8-96E4-45A2-A678-33E8741F4BE5}" type="slidenum">
+            <a:fld id="{E1D6D683-169D-4F33-93C0-E530A73A7125}" type="slidenum">
               <a:rPr b="0" lang="ru-RU" sz="1400" spc="-1" strike="noStrike">
                 <a:solidFill>
                   <a:srgbClr val="898989"/>
@@ -16033,7 +16154,7 @@
                 <a:latin typeface="Times New Roman"/>
                 <a:ea typeface="Open Sans"/>
               </a:rPr>
-              <a:t>&lt;number&gt;</a:t>
+              <a:t>9</a:t>
             </a:fld>
             <a:endParaRPr b="0" lang="en-US" sz="1400" spc="-1" strike="noStrike">
               <a:solidFill>
@@ -16057,7 +16178,7 @@
         <p:spPr>
           <a:xfrm>
             <a:off x="577800" y="3103200"/>
-            <a:ext cx="4113000" cy="3436200"/>
+            <a:ext cx="4112640" cy="3435840"/>
           </a:xfrm>
           <a:prstGeom prst="rect">
             <a:avLst/>
@@ -16076,7 +16197,7 @@
         <p:spPr>
           <a:xfrm>
             <a:off x="5715000" y="1600560"/>
-            <a:ext cx="6239160" cy="912240"/>
+            <a:ext cx="6238800" cy="911880"/>
           </a:xfrm>
           <a:prstGeom prst="rect">
             <a:avLst/>
@@ -16178,7 +16299,7 @@
         <p:spPr>
           <a:xfrm>
             <a:off x="5907600" y="3067200"/>
-            <a:ext cx="4113000" cy="3472920"/>
+            <a:ext cx="4112640" cy="3472560"/>
           </a:xfrm>
           <a:prstGeom prst="rect">
             <a:avLst/>
